--- a/GreenSnake.pptx
+++ b/GreenSnake.pptx
@@ -4,6 +4,12 @@
   <p:sldMasterIdLst>
     <p:sldMasterId id="2147483648" r:id="rId1"/>
   </p:sldMasterIdLst>
+  <p:notesMasterIdLst>
+    <p:notesMasterId r:id="rId19"/>
+  </p:notesMasterIdLst>
+  <p:handoutMasterIdLst>
+    <p:handoutMasterId r:id="rId20"/>
+  </p:handoutMasterIdLst>
   <p:sldIdLst>
     <p:sldId id="256" r:id="rId2"/>
     <p:sldId id="257" r:id="rId3"/>
@@ -19,8 +25,9 @@
     <p:sldId id="271" r:id="rId13"/>
     <p:sldId id="273" r:id="rId14"/>
     <p:sldId id="274" r:id="rId15"/>
-    <p:sldId id="266" r:id="rId16"/>
-    <p:sldId id="267" r:id="rId17"/>
+    <p:sldId id="275" r:id="rId16"/>
+    <p:sldId id="266" r:id="rId17"/>
+    <p:sldId id="267" r:id="rId18"/>
   </p:sldIdLst>
   <p:sldSz cx="9144000" cy="6858000" type="screen4x3"/>
   <p:notesSz cx="6858000" cy="9144000"/>
@@ -122,6 +129,607 @@
 </p:presentation>
 </file>
 
+<file path=ppt/handoutMasters/handoutMaster1.xml><?xml version="1.0" encoding="utf-8"?>
+<p:handoutMaster xmlns:a="http://schemas.openxmlformats.org/drawingml/2006/main" xmlns:r="http://schemas.openxmlformats.org/officeDocument/2006/relationships" xmlns:p="http://schemas.openxmlformats.org/presentationml/2006/main">
+  <p:cSld>
+    <p:bg>
+      <p:bgRef idx="1001">
+        <a:schemeClr val="bg1"/>
+      </p:bgRef>
+    </p:bg>
+    <p:spTree>
+      <p:nvGrpSpPr>
+        <p:cNvPr id="1" name=""/>
+        <p:cNvGrpSpPr/>
+        <p:nvPr/>
+      </p:nvGrpSpPr>
+      <p:grpSpPr>
+        <a:xfrm>
+          <a:off x="0" y="0"/>
+          <a:ext cx="0" cy="0"/>
+          <a:chOff x="0" y="0"/>
+          <a:chExt cx="0" cy="0"/>
+        </a:xfrm>
+      </p:grpSpPr>
+      <p:sp>
+        <p:nvSpPr>
+          <p:cNvPr id="2" name="Header Placeholder 1"/>
+          <p:cNvSpPr>
+            <a:spLocks noGrp="1"/>
+          </p:cNvSpPr>
+          <p:nvPr>
+            <p:ph type="hdr" sz="quarter"/>
+          </p:nvPr>
+        </p:nvSpPr>
+        <p:spPr>
+          <a:xfrm>
+            <a:off x="0" y="0"/>
+            <a:ext cx="2971800" cy="457200"/>
+          </a:xfrm>
+          <a:prstGeom prst="rect">
+            <a:avLst/>
+          </a:prstGeom>
+        </p:spPr>
+        <p:txBody>
+          <a:bodyPr vert="horz" lIns="91440" tIns="45720" rIns="91440" bIns="45720" rtlCol="0"/>
+          <a:lstStyle>
+            <a:lvl1pPr algn="l">
+              <a:defRPr sz="1200"/>
+            </a:lvl1pPr>
+          </a:lstStyle>
+          <a:p>
+            <a:endParaRPr lang="vi-VN"/>
+          </a:p>
+        </p:txBody>
+      </p:sp>
+      <p:sp>
+        <p:nvSpPr>
+          <p:cNvPr id="3" name="Date Placeholder 2"/>
+          <p:cNvSpPr>
+            <a:spLocks noGrp="1"/>
+          </p:cNvSpPr>
+          <p:nvPr>
+            <p:ph type="dt" sz="quarter" idx="1"/>
+          </p:nvPr>
+        </p:nvSpPr>
+        <p:spPr>
+          <a:xfrm>
+            <a:off x="3884613" y="0"/>
+            <a:ext cx="2971800" cy="457200"/>
+          </a:xfrm>
+          <a:prstGeom prst="rect">
+            <a:avLst/>
+          </a:prstGeom>
+        </p:spPr>
+        <p:txBody>
+          <a:bodyPr vert="horz" lIns="91440" tIns="45720" rIns="91440" bIns="45720" rtlCol="0"/>
+          <a:lstStyle>
+            <a:lvl1pPr algn="r">
+              <a:defRPr sz="1200"/>
+            </a:lvl1pPr>
+          </a:lstStyle>
+          <a:p>
+            <a:fld id="{4290D5E6-2151-4536-A337-C67FC4476D5A}" type="datetimeFigureOut">
+              <a:rPr lang="vi-VN" smtClean="0"/>
+              <a:t>18/06/2018</a:t>
+            </a:fld>
+            <a:endParaRPr lang="vi-VN"/>
+          </a:p>
+        </p:txBody>
+      </p:sp>
+      <p:sp>
+        <p:nvSpPr>
+          <p:cNvPr id="4" name="Footer Placeholder 3"/>
+          <p:cNvSpPr>
+            <a:spLocks noGrp="1"/>
+          </p:cNvSpPr>
+          <p:nvPr>
+            <p:ph type="ftr" sz="quarter" idx="2"/>
+          </p:nvPr>
+        </p:nvSpPr>
+        <p:spPr>
+          <a:xfrm>
+            <a:off x="0" y="8685213"/>
+            <a:ext cx="2971800" cy="457200"/>
+          </a:xfrm>
+          <a:prstGeom prst="rect">
+            <a:avLst/>
+          </a:prstGeom>
+        </p:spPr>
+        <p:txBody>
+          <a:bodyPr vert="horz" lIns="91440" tIns="45720" rIns="91440" bIns="45720" rtlCol="0" anchor="b"/>
+          <a:lstStyle>
+            <a:lvl1pPr algn="l">
+              <a:defRPr sz="1200"/>
+            </a:lvl1pPr>
+          </a:lstStyle>
+          <a:p>
+            <a:endParaRPr lang="vi-VN"/>
+          </a:p>
+        </p:txBody>
+      </p:sp>
+      <p:sp>
+        <p:nvSpPr>
+          <p:cNvPr id="5" name="Slide Number Placeholder 4"/>
+          <p:cNvSpPr>
+            <a:spLocks noGrp="1"/>
+          </p:cNvSpPr>
+          <p:nvPr>
+            <p:ph type="sldNum" sz="quarter" idx="3"/>
+          </p:nvPr>
+        </p:nvSpPr>
+        <p:spPr>
+          <a:xfrm>
+            <a:off x="3884613" y="8685213"/>
+            <a:ext cx="2971800" cy="457200"/>
+          </a:xfrm>
+          <a:prstGeom prst="rect">
+            <a:avLst/>
+          </a:prstGeom>
+        </p:spPr>
+        <p:txBody>
+          <a:bodyPr vert="horz" lIns="91440" tIns="45720" rIns="91440" bIns="45720" rtlCol="0" anchor="b"/>
+          <a:lstStyle>
+            <a:lvl1pPr algn="r">
+              <a:defRPr sz="1200"/>
+            </a:lvl1pPr>
+          </a:lstStyle>
+          <a:p>
+            <a:fld id="{347AC08D-F0B7-4799-8A93-5F32FFCC5A82}" type="slidenum">
+              <a:rPr lang="vi-VN" smtClean="0"/>
+              <a:t>‹#›</a:t>
+            </a:fld>
+            <a:endParaRPr lang="vi-VN"/>
+          </a:p>
+        </p:txBody>
+      </p:sp>
+    </p:spTree>
+    <p:extLst>
+      <p:ext uri="{BB962C8B-B14F-4D97-AF65-F5344CB8AC3E}">
+        <p14:creationId xmlns:p14="http://schemas.microsoft.com/office/powerpoint/2010/main" val="2100651829"/>
+      </p:ext>
+    </p:extLst>
+  </p:cSld>
+  <p:clrMap bg1="lt1" tx1="dk1" bg2="lt2" tx2="dk2" accent1="accent1" accent2="accent2" accent3="accent3" accent4="accent4" accent5="accent5" accent6="accent6" hlink="hlink" folHlink="folHlink"/>
+  <p:hf hdr="0" ftr="0" dt="0"/>
+</p:handoutMaster>
+</file>
+
+<file path=ppt/notesMasters/notesMaster1.xml><?xml version="1.0" encoding="utf-8"?>
+<p:notesMaster xmlns:a="http://schemas.openxmlformats.org/drawingml/2006/main" xmlns:r="http://schemas.openxmlformats.org/officeDocument/2006/relationships" xmlns:p="http://schemas.openxmlformats.org/presentationml/2006/main">
+  <p:cSld>
+    <p:bg>
+      <p:bgRef idx="1001">
+        <a:schemeClr val="bg1"/>
+      </p:bgRef>
+    </p:bg>
+    <p:spTree>
+      <p:nvGrpSpPr>
+        <p:cNvPr id="1" name=""/>
+        <p:cNvGrpSpPr/>
+        <p:nvPr/>
+      </p:nvGrpSpPr>
+      <p:grpSpPr>
+        <a:xfrm>
+          <a:off x="0" y="0"/>
+          <a:ext cx="0" cy="0"/>
+          <a:chOff x="0" y="0"/>
+          <a:chExt cx="0" cy="0"/>
+        </a:xfrm>
+      </p:grpSpPr>
+      <p:sp>
+        <p:nvSpPr>
+          <p:cNvPr id="2" name="Header Placeholder 1"/>
+          <p:cNvSpPr>
+            <a:spLocks noGrp="1"/>
+          </p:cNvSpPr>
+          <p:nvPr>
+            <p:ph type="hdr" sz="quarter"/>
+          </p:nvPr>
+        </p:nvSpPr>
+        <p:spPr>
+          <a:xfrm>
+            <a:off x="0" y="0"/>
+            <a:ext cx="2971800" cy="457200"/>
+          </a:xfrm>
+          <a:prstGeom prst="rect">
+            <a:avLst/>
+          </a:prstGeom>
+        </p:spPr>
+        <p:txBody>
+          <a:bodyPr vert="horz" lIns="91440" tIns="45720" rIns="91440" bIns="45720" rtlCol="0"/>
+          <a:lstStyle>
+            <a:lvl1pPr algn="l">
+              <a:defRPr sz="1200"/>
+            </a:lvl1pPr>
+          </a:lstStyle>
+          <a:p>
+            <a:endParaRPr lang="vi-VN"/>
+          </a:p>
+        </p:txBody>
+      </p:sp>
+      <p:sp>
+        <p:nvSpPr>
+          <p:cNvPr id="3" name="Date Placeholder 2"/>
+          <p:cNvSpPr>
+            <a:spLocks noGrp="1"/>
+          </p:cNvSpPr>
+          <p:nvPr>
+            <p:ph type="dt" idx="1"/>
+          </p:nvPr>
+        </p:nvSpPr>
+        <p:spPr>
+          <a:xfrm>
+            <a:off x="3884613" y="0"/>
+            <a:ext cx="2971800" cy="457200"/>
+          </a:xfrm>
+          <a:prstGeom prst="rect">
+            <a:avLst/>
+          </a:prstGeom>
+        </p:spPr>
+        <p:txBody>
+          <a:bodyPr vert="horz" lIns="91440" tIns="45720" rIns="91440" bIns="45720" rtlCol="0"/>
+          <a:lstStyle>
+            <a:lvl1pPr algn="r">
+              <a:defRPr sz="1200"/>
+            </a:lvl1pPr>
+          </a:lstStyle>
+          <a:p>
+            <a:fld id="{4ED3D2DE-A870-4F6C-B118-4EAE9CEB0EB5}" type="datetimeFigureOut">
+              <a:rPr lang="vi-VN" smtClean="0"/>
+              <a:t>18/06/2018</a:t>
+            </a:fld>
+            <a:endParaRPr lang="vi-VN"/>
+          </a:p>
+        </p:txBody>
+      </p:sp>
+      <p:sp>
+        <p:nvSpPr>
+          <p:cNvPr id="4" name="Slide Image Placeholder 3"/>
+          <p:cNvSpPr>
+            <a:spLocks noGrp="1" noRot="1" noChangeAspect="1"/>
+          </p:cNvSpPr>
+          <p:nvPr>
+            <p:ph type="sldImg" idx="2"/>
+          </p:nvPr>
+        </p:nvSpPr>
+        <p:spPr>
+          <a:xfrm>
+            <a:off x="1143000" y="685800"/>
+            <a:ext cx="4572000" cy="3429000"/>
+          </a:xfrm>
+          <a:prstGeom prst="rect">
+            <a:avLst/>
+          </a:prstGeom>
+          <a:noFill/>
+          <a:ln w="12700">
+            <a:solidFill>
+              <a:prstClr val="black"/>
+            </a:solidFill>
+          </a:ln>
+        </p:spPr>
+        <p:txBody>
+          <a:bodyPr vert="horz" lIns="91440" tIns="45720" rIns="91440" bIns="45720" rtlCol="0" anchor="ctr"/>
+          <a:lstStyle/>
+          <a:p>
+            <a:endParaRPr lang="vi-VN"/>
+          </a:p>
+        </p:txBody>
+      </p:sp>
+      <p:sp>
+        <p:nvSpPr>
+          <p:cNvPr id="5" name="Notes Placeholder 4"/>
+          <p:cNvSpPr>
+            <a:spLocks noGrp="1"/>
+          </p:cNvSpPr>
+          <p:nvPr>
+            <p:ph type="body" sz="quarter" idx="3"/>
+          </p:nvPr>
+        </p:nvSpPr>
+        <p:spPr>
+          <a:xfrm>
+            <a:off x="685800" y="4343400"/>
+            <a:ext cx="5486400" cy="4114800"/>
+          </a:xfrm>
+          <a:prstGeom prst="rect">
+            <a:avLst/>
+          </a:prstGeom>
+        </p:spPr>
+        <p:txBody>
+          <a:bodyPr vert="horz" lIns="91440" tIns="45720" rIns="91440" bIns="45720" rtlCol="0"/>
+          <a:lstStyle/>
+          <a:p>
+            <a:pPr lvl="0"/>
+            <a:r>
+              <a:rPr lang="en-US" smtClean="0"/>
+              <a:t>Click to edit Master text styles</a:t>
+            </a:r>
+          </a:p>
+          <a:p>
+            <a:pPr lvl="1"/>
+            <a:r>
+              <a:rPr lang="en-US" smtClean="0"/>
+              <a:t>Second level</a:t>
+            </a:r>
+          </a:p>
+          <a:p>
+            <a:pPr lvl="2"/>
+            <a:r>
+              <a:rPr lang="en-US" smtClean="0"/>
+              <a:t>Third level</a:t>
+            </a:r>
+          </a:p>
+          <a:p>
+            <a:pPr lvl="3"/>
+            <a:r>
+              <a:rPr lang="en-US" smtClean="0"/>
+              <a:t>Fourth level</a:t>
+            </a:r>
+          </a:p>
+          <a:p>
+            <a:pPr lvl="4"/>
+            <a:r>
+              <a:rPr lang="en-US" smtClean="0"/>
+              <a:t>Fifth level</a:t>
+            </a:r>
+            <a:endParaRPr lang="vi-VN"/>
+          </a:p>
+        </p:txBody>
+      </p:sp>
+      <p:sp>
+        <p:nvSpPr>
+          <p:cNvPr id="6" name="Footer Placeholder 5"/>
+          <p:cNvSpPr>
+            <a:spLocks noGrp="1"/>
+          </p:cNvSpPr>
+          <p:nvPr>
+            <p:ph type="ftr" sz="quarter" idx="4"/>
+          </p:nvPr>
+        </p:nvSpPr>
+        <p:spPr>
+          <a:xfrm>
+            <a:off x="0" y="8685213"/>
+            <a:ext cx="2971800" cy="457200"/>
+          </a:xfrm>
+          <a:prstGeom prst="rect">
+            <a:avLst/>
+          </a:prstGeom>
+        </p:spPr>
+        <p:txBody>
+          <a:bodyPr vert="horz" lIns="91440" tIns="45720" rIns="91440" bIns="45720" rtlCol="0" anchor="b"/>
+          <a:lstStyle>
+            <a:lvl1pPr algn="l">
+              <a:defRPr sz="1200"/>
+            </a:lvl1pPr>
+          </a:lstStyle>
+          <a:p>
+            <a:endParaRPr lang="vi-VN"/>
+          </a:p>
+        </p:txBody>
+      </p:sp>
+      <p:sp>
+        <p:nvSpPr>
+          <p:cNvPr id="7" name="Slide Number Placeholder 6"/>
+          <p:cNvSpPr>
+            <a:spLocks noGrp="1"/>
+          </p:cNvSpPr>
+          <p:nvPr>
+            <p:ph type="sldNum" sz="quarter" idx="5"/>
+          </p:nvPr>
+        </p:nvSpPr>
+        <p:spPr>
+          <a:xfrm>
+            <a:off x="3884613" y="8685213"/>
+            <a:ext cx="2971800" cy="457200"/>
+          </a:xfrm>
+          <a:prstGeom prst="rect">
+            <a:avLst/>
+          </a:prstGeom>
+        </p:spPr>
+        <p:txBody>
+          <a:bodyPr vert="horz" lIns="91440" tIns="45720" rIns="91440" bIns="45720" rtlCol="0" anchor="b"/>
+          <a:lstStyle>
+            <a:lvl1pPr algn="r">
+              <a:defRPr sz="1200"/>
+            </a:lvl1pPr>
+          </a:lstStyle>
+          <a:p>
+            <a:fld id="{87996BED-B6CD-4E91-B7EA-16150713B5AF}" type="slidenum">
+              <a:rPr lang="vi-VN" smtClean="0"/>
+              <a:t>‹#›</a:t>
+            </a:fld>
+            <a:endParaRPr lang="vi-VN"/>
+          </a:p>
+        </p:txBody>
+      </p:sp>
+    </p:spTree>
+    <p:extLst>
+      <p:ext uri="{BB962C8B-B14F-4D97-AF65-F5344CB8AC3E}">
+        <p14:creationId xmlns:p14="http://schemas.microsoft.com/office/powerpoint/2010/main" val="2203434741"/>
+      </p:ext>
+    </p:extLst>
+  </p:cSld>
+  <p:clrMap bg1="lt1" tx1="dk1" bg2="lt2" tx2="dk2" accent1="accent1" accent2="accent2" accent3="accent3" accent4="accent4" accent5="accent5" accent6="accent6" hlink="hlink" folHlink="folHlink"/>
+  <p:hf hdr="0" ftr="0" dt="0"/>
+  <p:notesStyle>
+    <a:lvl1pPr marL="0" algn="l" defTabSz="914400" rtl="0" eaLnBrk="1" latinLnBrk="0" hangingPunct="1">
+      <a:defRPr sz="1200" kern="1200">
+        <a:solidFill>
+          <a:schemeClr val="tx1"/>
+        </a:solidFill>
+        <a:latin typeface="+mn-lt"/>
+        <a:ea typeface="+mn-ea"/>
+        <a:cs typeface="+mn-cs"/>
+      </a:defRPr>
+    </a:lvl1pPr>
+    <a:lvl2pPr marL="457200" algn="l" defTabSz="914400" rtl="0" eaLnBrk="1" latinLnBrk="0" hangingPunct="1">
+      <a:defRPr sz="1200" kern="1200">
+        <a:solidFill>
+          <a:schemeClr val="tx1"/>
+        </a:solidFill>
+        <a:latin typeface="+mn-lt"/>
+        <a:ea typeface="+mn-ea"/>
+        <a:cs typeface="+mn-cs"/>
+      </a:defRPr>
+    </a:lvl2pPr>
+    <a:lvl3pPr marL="914400" algn="l" defTabSz="914400" rtl="0" eaLnBrk="1" latinLnBrk="0" hangingPunct="1">
+      <a:defRPr sz="1200" kern="1200">
+        <a:solidFill>
+          <a:schemeClr val="tx1"/>
+        </a:solidFill>
+        <a:latin typeface="+mn-lt"/>
+        <a:ea typeface="+mn-ea"/>
+        <a:cs typeface="+mn-cs"/>
+      </a:defRPr>
+    </a:lvl3pPr>
+    <a:lvl4pPr marL="1371600" algn="l" defTabSz="914400" rtl="0" eaLnBrk="1" latinLnBrk="0" hangingPunct="1">
+      <a:defRPr sz="1200" kern="1200">
+        <a:solidFill>
+          <a:schemeClr val="tx1"/>
+        </a:solidFill>
+        <a:latin typeface="+mn-lt"/>
+        <a:ea typeface="+mn-ea"/>
+        <a:cs typeface="+mn-cs"/>
+      </a:defRPr>
+    </a:lvl4pPr>
+    <a:lvl5pPr marL="1828800" algn="l" defTabSz="914400" rtl="0" eaLnBrk="1" latinLnBrk="0" hangingPunct="1">
+      <a:defRPr sz="1200" kern="1200">
+        <a:solidFill>
+          <a:schemeClr val="tx1"/>
+        </a:solidFill>
+        <a:latin typeface="+mn-lt"/>
+        <a:ea typeface="+mn-ea"/>
+        <a:cs typeface="+mn-cs"/>
+      </a:defRPr>
+    </a:lvl5pPr>
+    <a:lvl6pPr marL="2286000" algn="l" defTabSz="914400" rtl="0" eaLnBrk="1" latinLnBrk="0" hangingPunct="1">
+      <a:defRPr sz="1200" kern="1200">
+        <a:solidFill>
+          <a:schemeClr val="tx1"/>
+        </a:solidFill>
+        <a:latin typeface="+mn-lt"/>
+        <a:ea typeface="+mn-ea"/>
+        <a:cs typeface="+mn-cs"/>
+      </a:defRPr>
+    </a:lvl6pPr>
+    <a:lvl7pPr marL="2743200" algn="l" defTabSz="914400" rtl="0" eaLnBrk="1" latinLnBrk="0" hangingPunct="1">
+      <a:defRPr sz="1200" kern="1200">
+        <a:solidFill>
+          <a:schemeClr val="tx1"/>
+        </a:solidFill>
+        <a:latin typeface="+mn-lt"/>
+        <a:ea typeface="+mn-ea"/>
+        <a:cs typeface="+mn-cs"/>
+      </a:defRPr>
+    </a:lvl7pPr>
+    <a:lvl8pPr marL="3200400" algn="l" defTabSz="914400" rtl="0" eaLnBrk="1" latinLnBrk="0" hangingPunct="1">
+      <a:defRPr sz="1200" kern="1200">
+        <a:solidFill>
+          <a:schemeClr val="tx1"/>
+        </a:solidFill>
+        <a:latin typeface="+mn-lt"/>
+        <a:ea typeface="+mn-ea"/>
+        <a:cs typeface="+mn-cs"/>
+      </a:defRPr>
+    </a:lvl8pPr>
+    <a:lvl9pPr marL="3657600" algn="l" defTabSz="914400" rtl="0" eaLnBrk="1" latinLnBrk="0" hangingPunct="1">
+      <a:defRPr sz="1200" kern="1200">
+        <a:solidFill>
+          <a:schemeClr val="tx1"/>
+        </a:solidFill>
+        <a:latin typeface="+mn-lt"/>
+        <a:ea typeface="+mn-ea"/>
+        <a:cs typeface="+mn-cs"/>
+      </a:defRPr>
+    </a:lvl9pPr>
+  </p:notesStyle>
+</p:notesMaster>
+</file>
+
+<file path=ppt/notesSlides/notesSlide1.xml><?xml version="1.0" encoding="utf-8"?>
+<p:notes xmlns:a="http://schemas.openxmlformats.org/drawingml/2006/main" xmlns:r="http://schemas.openxmlformats.org/officeDocument/2006/relationships" xmlns:p="http://schemas.openxmlformats.org/presentationml/2006/main">
+  <p:cSld>
+    <p:spTree>
+      <p:nvGrpSpPr>
+        <p:cNvPr id="1" name=""/>
+        <p:cNvGrpSpPr/>
+        <p:nvPr/>
+      </p:nvGrpSpPr>
+      <p:grpSpPr>
+        <a:xfrm>
+          <a:off x="0" y="0"/>
+          <a:ext cx="0" cy="0"/>
+          <a:chOff x="0" y="0"/>
+          <a:chExt cx="0" cy="0"/>
+        </a:xfrm>
+      </p:grpSpPr>
+      <p:sp>
+        <p:nvSpPr>
+          <p:cNvPr id="2" name="Slide Image Placeholder 1"/>
+          <p:cNvSpPr>
+            <a:spLocks noGrp="1" noRot="1" noChangeAspect="1"/>
+          </p:cNvSpPr>
+          <p:nvPr>
+            <p:ph type="sldImg"/>
+          </p:nvPr>
+        </p:nvSpPr>
+        <p:spPr/>
+      </p:sp>
+      <p:sp>
+        <p:nvSpPr>
+          <p:cNvPr id="3" name="Notes Placeholder 2"/>
+          <p:cNvSpPr>
+            <a:spLocks noGrp="1"/>
+          </p:cNvSpPr>
+          <p:nvPr>
+            <p:ph type="body" idx="1"/>
+          </p:nvPr>
+        </p:nvSpPr>
+        <p:spPr/>
+        <p:txBody>
+          <a:bodyPr/>
+          <a:lstStyle/>
+          <a:p>
+            <a:endParaRPr lang="vi-VN"/>
+          </a:p>
+        </p:txBody>
+      </p:sp>
+      <p:sp>
+        <p:nvSpPr>
+          <p:cNvPr id="4" name="Slide Number Placeholder 3"/>
+          <p:cNvSpPr>
+            <a:spLocks noGrp="1"/>
+          </p:cNvSpPr>
+          <p:nvPr>
+            <p:ph type="sldNum" sz="quarter" idx="10"/>
+          </p:nvPr>
+        </p:nvSpPr>
+        <p:spPr/>
+        <p:txBody>
+          <a:bodyPr/>
+          <a:lstStyle/>
+          <a:p>
+            <a:fld id="{87996BED-B6CD-4E91-B7EA-16150713B5AF}" type="slidenum">
+              <a:rPr lang="vi-VN" smtClean="0"/>
+              <a:t>1</a:t>
+            </a:fld>
+            <a:endParaRPr lang="vi-VN"/>
+          </a:p>
+        </p:txBody>
+      </p:sp>
+    </p:spTree>
+    <p:extLst>
+      <p:ext uri="{BB962C8B-B14F-4D97-AF65-F5344CB8AC3E}">
+        <p14:creationId xmlns:p14="http://schemas.microsoft.com/office/powerpoint/2010/main" val="1731659981"/>
+      </p:ext>
+    </p:extLst>
+  </p:cSld>
+  <p:clrMapOvr>
+    <a:masterClrMapping/>
+  </p:clrMapOvr>
+</p:notes>
+</file>
+
 <file path=ppt/slideLayouts/slideLayout1.xml><?xml version="1.0" encoding="utf-8"?>
 <p:sldLayout xmlns:a="http://schemas.openxmlformats.org/drawingml/2006/main" xmlns:r="http://schemas.openxmlformats.org/officeDocument/2006/relationships" xmlns:p="http://schemas.openxmlformats.org/presentationml/2006/main" type="title" preserve="1">
   <p:cSld name="Title Slide">
@@ -301,7 +909,7 @@
           <a:bodyPr/>
           <a:lstStyle/>
           <a:p>
-            <a:fld id="{8F6A0276-846C-4025-8DDD-BF7D48A04F9B}" type="datetimeFigureOut">
+            <a:fld id="{5A808992-7BC9-4E32-B506-45C8347FD013}" type="datetime1">
               <a:rPr lang="vi-VN" smtClean="0"/>
               <a:t>18/06/2018</a:t>
             </a:fld>
@@ -338,13 +946,32 @@
             <p:ph type="sldNum" sz="quarter" idx="12"/>
           </p:nvPr>
         </p:nvSpPr>
-        <p:spPr/>
+        <p:spPr>
+          <a:xfrm>
+            <a:off x="6830888" y="6356350"/>
+            <a:ext cx="2133600" cy="365125"/>
+          </a:xfrm>
+          <a:noFill/>
+        </p:spPr>
         <p:txBody>
           <a:bodyPr/>
-          <a:lstStyle/>
+          <a:lstStyle>
+            <a:lvl1pPr>
+              <a:defRPr sz="3200" b="1">
+                <a:ln>
+                  <a:noFill/>
+                </a:ln>
+                <a:solidFill>
+                  <a:schemeClr val="bg1"/>
+                </a:solidFill>
+                <a:latin typeface="Calibri" pitchFamily="34" charset="0"/>
+              </a:defRPr>
+            </a:lvl1pPr>
+          </a:lstStyle>
           <a:p>
             <a:fld id="{C84FE6B2-6624-4AEF-AA0A-2E90FFFF6AB6}" type="slidenum">
               <a:rPr lang="vi-VN" smtClean="0"/>
+              <a:pPr/>
               <a:t>‹#›</a:t>
             </a:fld>
             <a:endParaRPr lang="vi-VN"/>
@@ -471,7 +1098,7 @@
           <a:bodyPr/>
           <a:lstStyle/>
           <a:p>
-            <a:fld id="{8F6A0276-846C-4025-8DDD-BF7D48A04F9B}" type="datetimeFigureOut">
+            <a:fld id="{ECAE4889-6688-44E4-B3E1-79293D19FDB8}" type="datetime1">
               <a:rPr lang="vi-VN" smtClean="0"/>
               <a:t>18/06/2018</a:t>
             </a:fld>
@@ -651,7 +1278,7 @@
           <a:bodyPr/>
           <a:lstStyle/>
           <a:p>
-            <a:fld id="{8F6A0276-846C-4025-8DDD-BF7D48A04F9B}" type="datetimeFigureOut">
+            <a:fld id="{5296119D-C5D0-41FB-BAD6-0FC9A0498D4A}" type="datetime1">
               <a:rPr lang="vi-VN" smtClean="0"/>
               <a:t>18/06/2018</a:t>
             </a:fld>
@@ -821,7 +1448,7 @@
           <a:bodyPr/>
           <a:lstStyle/>
           <a:p>
-            <a:fld id="{8F6A0276-846C-4025-8DDD-BF7D48A04F9B}" type="datetimeFigureOut">
+            <a:fld id="{0F10B5C6-1B42-4B2B-8A37-D1C1E1959E5B}" type="datetime1">
               <a:rPr lang="vi-VN" smtClean="0"/>
               <a:t>18/06/2018</a:t>
             </a:fld>
@@ -858,13 +1485,24 @@
             <p:ph type="sldNum" sz="quarter" idx="12"/>
           </p:nvPr>
         </p:nvSpPr>
-        <p:spPr/>
+        <p:spPr>
+          <a:noFill/>
+        </p:spPr>
         <p:txBody>
           <a:bodyPr/>
-          <a:lstStyle/>
+          <a:lstStyle>
+            <a:lvl1pPr>
+              <a:defRPr sz="3200">
+                <a:solidFill>
+                  <a:schemeClr val="bg1"/>
+                </a:solidFill>
+              </a:defRPr>
+            </a:lvl1pPr>
+          </a:lstStyle>
           <a:p>
             <a:fld id="{C84FE6B2-6624-4AEF-AA0A-2E90FFFF6AB6}" type="slidenum">
               <a:rPr lang="vi-VN" smtClean="0"/>
+              <a:pPr/>
               <a:t>‹#›</a:t>
             </a:fld>
             <a:endParaRPr lang="vi-VN"/>
@@ -1067,7 +1705,7 @@
           <a:bodyPr/>
           <a:lstStyle/>
           <a:p>
-            <a:fld id="{8F6A0276-846C-4025-8DDD-BF7D48A04F9B}" type="datetimeFigureOut">
+            <a:fld id="{2D9ADDA6-0A30-43CC-A10C-6E13AC3DE2B6}" type="datetime1">
               <a:rPr lang="vi-VN" smtClean="0"/>
               <a:t>18/06/2018</a:t>
             </a:fld>
@@ -1107,10 +1745,15 @@
         <p:spPr/>
         <p:txBody>
           <a:bodyPr/>
-          <a:lstStyle/>
+          <a:lstStyle>
+            <a:lvl1pPr>
+              <a:defRPr b="1"/>
+            </a:lvl1pPr>
+          </a:lstStyle>
           <a:p>
             <a:fld id="{C84FE6B2-6624-4AEF-AA0A-2E90FFFF6AB6}" type="slidenum">
               <a:rPr lang="vi-VN" smtClean="0"/>
+              <a:pPr/>
               <a:t>‹#›</a:t>
             </a:fld>
             <a:endParaRPr lang="vi-VN"/>
@@ -1355,7 +1998,7 @@
           <a:bodyPr/>
           <a:lstStyle/>
           <a:p>
-            <a:fld id="{8F6A0276-846C-4025-8DDD-BF7D48A04F9B}" type="datetimeFigureOut">
+            <a:fld id="{D087A33F-82D8-41F5-A45D-AD2C42FA1643}" type="datetime1">
               <a:rPr lang="vi-VN" smtClean="0"/>
               <a:t>18/06/2018</a:t>
             </a:fld>
@@ -1777,7 +2420,7 @@
           <a:bodyPr/>
           <a:lstStyle/>
           <a:p>
-            <a:fld id="{8F6A0276-846C-4025-8DDD-BF7D48A04F9B}" type="datetimeFigureOut">
+            <a:fld id="{94E07204-1191-4DDD-A80F-A6EF3DD70038}" type="datetime1">
               <a:rPr lang="vi-VN" smtClean="0"/>
               <a:t>18/06/2018</a:t>
             </a:fld>
@@ -1895,7 +2538,7 @@
           <a:bodyPr/>
           <a:lstStyle/>
           <a:p>
-            <a:fld id="{8F6A0276-846C-4025-8DDD-BF7D48A04F9B}" type="datetimeFigureOut">
+            <a:fld id="{A3884002-7D24-4233-ADAC-898586B39E81}" type="datetime1">
               <a:rPr lang="vi-VN" smtClean="0"/>
               <a:t>18/06/2018</a:t>
             </a:fld>
@@ -1990,7 +2633,7 @@
           <a:bodyPr/>
           <a:lstStyle/>
           <a:p>
-            <a:fld id="{8F6A0276-846C-4025-8DDD-BF7D48A04F9B}" type="datetimeFigureOut">
+            <a:fld id="{859C23A1-E8C5-4197-B7CF-CBD78601C6E8}" type="datetime1">
               <a:rPr lang="vi-VN" smtClean="0"/>
               <a:t>18/06/2018</a:t>
             </a:fld>
@@ -2267,7 +2910,7 @@
           <a:bodyPr/>
           <a:lstStyle/>
           <a:p>
-            <a:fld id="{8F6A0276-846C-4025-8DDD-BF7D48A04F9B}" type="datetimeFigureOut">
+            <a:fld id="{5D06F0F5-32EC-4FE6-9FCB-517A342BEE33}" type="datetime1">
               <a:rPr lang="vi-VN" smtClean="0"/>
               <a:t>18/06/2018</a:t>
             </a:fld>
@@ -2520,7 +3163,7 @@
           <a:bodyPr/>
           <a:lstStyle/>
           <a:p>
-            <a:fld id="{8F6A0276-846C-4025-8DDD-BF7D48A04F9B}" type="datetimeFigureOut">
+            <a:fld id="{74297CA0-1555-49C9-BEEE-1A0134AC574E}" type="datetime1">
               <a:rPr lang="vi-VN" smtClean="0"/>
               <a:t>18/06/2018</a:t>
             </a:fld>
@@ -2733,7 +3376,7 @@
             </a:lvl1pPr>
           </a:lstStyle>
           <a:p>
-            <a:fld id="{8F6A0276-846C-4025-8DDD-BF7D48A04F9B}" type="datetimeFigureOut">
+            <a:fld id="{67BED415-17DA-4CAC-B8FB-63864F59E775}" type="datetime1">
               <a:rPr lang="vi-VN" smtClean="0"/>
               <a:t>18/06/2018</a:t>
             </a:fld>
@@ -2840,6 +3483,7 @@
     <p:sldLayoutId id="2147483658" r:id="rId10"/>
     <p:sldLayoutId id="2147483659" r:id="rId11"/>
   </p:sldLayoutIdLst>
+  <p:hf hdr="0" ftr="0" dt="0"/>
   <p:txStyles>
     <p:titleStyle>
       <a:lvl1pPr algn="ctr" defTabSz="914400" rtl="0" eaLnBrk="1" latinLnBrk="0" hangingPunct="1">
@@ -3119,7 +3763,7 @@
           <p:nvPr/>
         </p:nvPicPr>
         <p:blipFill>
-          <a:blip r:embed="rId2">
+          <a:blip r:embed="rId3">
             <a:extLst>
               <a:ext uri="{28A0092B-C50C-407E-A947-70E740481C1C}">
                 <a14:useLocalDpi xmlns:a14="http://schemas.microsoft.com/office/drawing/2010/main" val="0"/>
@@ -3149,7 +3793,7 @@
           <p:nvPr/>
         </p:nvPicPr>
         <p:blipFill>
-          <a:blip r:embed="rId3">
+          <a:blip r:embed="rId4">
             <a:extLst>
               <a:ext uri="{28A0092B-C50C-407E-A947-70E740481C1C}">
                 <a14:useLocalDpi xmlns:a14="http://schemas.microsoft.com/office/drawing/2010/main" val="0"/>
@@ -3190,11 +3834,11 @@
           <p:nvPr/>
         </p:nvPicPr>
         <p:blipFill>
-          <a:blip r:embed="rId4" cstate="print">
+          <a:blip r:embed="rId5" cstate="print">
             <a:extLst>
               <a:ext uri="{BEBA8EAE-BF5A-486C-A8C5-ECC9F3942E4B}">
                 <a14:imgProps xmlns:a14="http://schemas.microsoft.com/office/drawing/2010/main">
-                  <a14:imgLayer r:embed="rId5">
+                  <a14:imgLayer r:embed="rId6">
                     <a14:imgEffect>
                       <a14:saturation sat="400000"/>
                     </a14:imgEffect>
@@ -3236,7 +3880,7 @@
           <p:nvPr/>
         </p:nvPicPr>
         <p:blipFill>
-          <a:blip r:embed="rId6" cstate="print">
+          <a:blip r:embed="rId7" cstate="print">
             <a:extLst>
               <a:ext uri="{28A0092B-C50C-407E-A947-70E740481C1C}">
                 <a14:useLocalDpi xmlns:a14="http://schemas.microsoft.com/office/drawing/2010/main" val="0"/>
@@ -3260,43 +3904,6 @@
       <p:pic>
         <p:nvPicPr>
           <p:cNvPr id="8" name="Picture 7"/>
-          <p:cNvPicPr>
-            <a:picLocks noChangeAspect="1"/>
-          </p:cNvPicPr>
-          <p:nvPr/>
-        </p:nvPicPr>
-        <p:blipFill>
-          <a:blip r:embed="rId7">
-            <a:extLst>
-              <a:ext uri="{28A0092B-C50C-407E-A947-70E740481C1C}">
-                <a14:useLocalDpi xmlns:a14="http://schemas.microsoft.com/office/drawing/2010/main" val="0"/>
-              </a:ext>
-            </a:extLst>
-          </a:blip>
-          <a:stretch>
-            <a:fillRect/>
-          </a:stretch>
-        </p:blipFill>
-        <p:spPr>
-          <a:xfrm flipH="1">
-            <a:off x="611560" y="4221088"/>
-            <a:ext cx="2376264" cy="2735601"/>
-          </a:xfrm>
-          <a:prstGeom prst="rect">
-            <a:avLst/>
-          </a:prstGeom>
-          <a:effectLst>
-            <a:outerShdw blurRad="50800" dist="38100" dir="2700000" algn="tl" rotWithShape="0">
-              <a:prstClr val="black">
-                <a:alpha val="40000"/>
-              </a:prstClr>
-            </a:outerShdw>
-          </a:effectLst>
-        </p:spPr>
-      </p:pic>
-      <p:pic>
-        <p:nvPicPr>
-          <p:cNvPr id="16" name="Picture 15"/>
           <p:cNvPicPr>
             <a:picLocks noChangeAspect="1"/>
           </p:cNvPicPr>
@@ -3315,9 +3922,9 @@
           </a:stretch>
         </p:blipFill>
         <p:spPr>
-          <a:xfrm>
-            <a:off x="1900302" y="1402675"/>
-            <a:ext cx="1231538" cy="1099587"/>
+          <a:xfrm flipH="1">
+            <a:off x="611560" y="4221088"/>
+            <a:ext cx="2376264" cy="2735601"/>
           </a:xfrm>
           <a:prstGeom prst="rect">
             <a:avLst/>
@@ -3333,14 +3940,14 @@
       </p:pic>
       <p:pic>
         <p:nvPicPr>
-          <p:cNvPr id="17" name="Picture 16"/>
+          <p:cNvPr id="16" name="Picture 15"/>
           <p:cNvPicPr>
             <a:picLocks noChangeAspect="1"/>
           </p:cNvPicPr>
           <p:nvPr/>
         </p:nvPicPr>
         <p:blipFill>
-          <a:blip r:embed="rId9" cstate="print">
+          <a:blip r:embed="rId9">
             <a:extLst>
               <a:ext uri="{28A0092B-C50C-407E-A947-70E740481C1C}">
                 <a14:useLocalDpi xmlns:a14="http://schemas.microsoft.com/office/drawing/2010/main" val="0"/>
@@ -3353,8 +3960,8 @@
         </p:blipFill>
         <p:spPr>
           <a:xfrm>
-            <a:off x="755576" y="1328682"/>
-            <a:ext cx="1440160" cy="1256430"/>
+            <a:off x="1900302" y="1402675"/>
+            <a:ext cx="1231538" cy="1099587"/>
           </a:xfrm>
           <a:prstGeom prst="rect">
             <a:avLst/>
@@ -3370,14 +3977,14 @@
       </p:pic>
       <p:pic>
         <p:nvPicPr>
-          <p:cNvPr id="18" name="Picture 17"/>
+          <p:cNvPr id="17" name="Picture 16"/>
           <p:cNvPicPr>
             <a:picLocks noChangeAspect="1"/>
           </p:cNvPicPr>
           <p:nvPr/>
         </p:nvPicPr>
         <p:blipFill>
-          <a:blip r:embed="rId10">
+          <a:blip r:embed="rId10" cstate="print">
             <a:extLst>
               <a:ext uri="{28A0092B-C50C-407E-A947-70E740481C1C}">
                 <a14:useLocalDpi xmlns:a14="http://schemas.microsoft.com/office/drawing/2010/main" val="0"/>
@@ -3390,8 +3997,8 @@
         </p:blipFill>
         <p:spPr>
           <a:xfrm>
-            <a:off x="4427984" y="3341027"/>
-            <a:ext cx="1060929" cy="1168093"/>
+            <a:off x="755576" y="1328682"/>
+            <a:ext cx="1440160" cy="1256430"/>
           </a:xfrm>
           <a:prstGeom prst="rect">
             <a:avLst/>
@@ -3407,7 +4014,7 @@
       </p:pic>
       <p:pic>
         <p:nvPicPr>
-          <p:cNvPr id="21" name="Picture 20"/>
+          <p:cNvPr id="18" name="Picture 17"/>
           <p:cNvPicPr>
             <a:picLocks noChangeAspect="1"/>
           </p:cNvPicPr>
@@ -3427,8 +4034,8 @@
         </p:blipFill>
         <p:spPr>
           <a:xfrm>
-            <a:off x="3563888" y="3112189"/>
-            <a:ext cx="963580" cy="1324923"/>
+            <a:off x="4427984" y="3341027"/>
+            <a:ext cx="1060929" cy="1168093"/>
           </a:xfrm>
           <a:prstGeom prst="rect">
             <a:avLst/>
@@ -3444,7 +4051,7 @@
       </p:pic>
       <p:pic>
         <p:nvPicPr>
-          <p:cNvPr id="22" name="Picture 21"/>
+          <p:cNvPr id="21" name="Picture 20"/>
           <p:cNvPicPr>
             <a:picLocks noChangeAspect="1"/>
           </p:cNvPicPr>
@@ -3464,8 +4071,8 @@
         </p:blipFill>
         <p:spPr>
           <a:xfrm>
-            <a:off x="1653091" y="2996952"/>
-            <a:ext cx="902685" cy="1471043"/>
+            <a:off x="3563888" y="3112189"/>
+            <a:ext cx="963580" cy="1324923"/>
           </a:xfrm>
           <a:prstGeom prst="rect">
             <a:avLst/>
@@ -3481,7 +4088,7 @@
       </p:pic>
       <p:pic>
         <p:nvPicPr>
-          <p:cNvPr id="23" name="Picture 22"/>
+          <p:cNvPr id="22" name="Picture 21"/>
           <p:cNvPicPr>
             <a:picLocks noChangeAspect="1"/>
           </p:cNvPicPr>
@@ -3501,8 +4108,8 @@
         </p:blipFill>
         <p:spPr>
           <a:xfrm>
-            <a:off x="4716016" y="1340768"/>
-            <a:ext cx="1044544" cy="1168093"/>
+            <a:off x="1653091" y="2996952"/>
+            <a:ext cx="902685" cy="1471043"/>
           </a:xfrm>
           <a:prstGeom prst="rect">
             <a:avLst/>
@@ -3518,44 +4125,7 @@
       </p:pic>
       <p:pic>
         <p:nvPicPr>
-          <p:cNvPr id="25" name="Picture 24"/>
-          <p:cNvPicPr>
-            <a:picLocks noChangeAspect="1"/>
-          </p:cNvPicPr>
-          <p:nvPr/>
-        </p:nvPicPr>
-        <p:blipFill>
-          <a:blip r:embed="rId13">
-            <a:extLst>
-              <a:ext uri="{28A0092B-C50C-407E-A947-70E740481C1C}">
-                <a14:useLocalDpi xmlns:a14="http://schemas.microsoft.com/office/drawing/2010/main" val="0"/>
-              </a:ext>
-            </a:extLst>
-          </a:blip>
-          <a:stretch>
-            <a:fillRect/>
-          </a:stretch>
-        </p:blipFill>
-        <p:spPr>
-          <a:xfrm>
-            <a:off x="2555776" y="3341027"/>
-            <a:ext cx="1044544" cy="1168093"/>
-          </a:xfrm>
-          <a:prstGeom prst="rect">
-            <a:avLst/>
-          </a:prstGeom>
-          <a:effectLst>
-            <a:outerShdw blurRad="50800" dist="38100" dir="2700000" algn="tl" rotWithShape="0">
-              <a:prstClr val="black">
-                <a:alpha val="40000"/>
-              </a:prstClr>
-            </a:outerShdw>
-          </a:effectLst>
-        </p:spPr>
-      </p:pic>
-      <p:pic>
-        <p:nvPicPr>
-          <p:cNvPr id="24" name="Picture 23"/>
+          <p:cNvPr id="23" name="Picture 22"/>
           <p:cNvPicPr>
             <a:picLocks noChangeAspect="1"/>
           </p:cNvPicPr>
@@ -3575,17 +4145,24 @@
         </p:blipFill>
         <p:spPr>
           <a:xfrm>
-            <a:off x="3787517" y="974547"/>
-            <a:ext cx="1004424" cy="1565031"/>
+            <a:off x="4716016" y="1340768"/>
+            <a:ext cx="1044544" cy="1168093"/>
           </a:xfrm>
           <a:prstGeom prst="rect">
             <a:avLst/>
           </a:prstGeom>
+          <a:effectLst>
+            <a:outerShdw blurRad="50800" dist="38100" dir="2700000" algn="tl" rotWithShape="0">
+              <a:prstClr val="black">
+                <a:alpha val="40000"/>
+              </a:prstClr>
+            </a:outerShdw>
+          </a:effectLst>
         </p:spPr>
       </p:pic>
       <p:pic>
         <p:nvPicPr>
-          <p:cNvPr id="29" name="Picture 28"/>
+          <p:cNvPr id="25" name="Picture 24"/>
           <p:cNvPicPr>
             <a:picLocks noChangeAspect="1"/>
           </p:cNvPicPr>
@@ -3605,8 +4182,8 @@
         </p:blipFill>
         <p:spPr>
           <a:xfrm>
-            <a:off x="2987824" y="974547"/>
-            <a:ext cx="1004424" cy="1565031"/>
+            <a:off x="2555776" y="3341027"/>
+            <a:ext cx="1044544" cy="1168093"/>
           </a:xfrm>
           <a:prstGeom prst="rect">
             <a:avLst/>
@@ -3622,44 +4199,7 @@
       </p:pic>
       <p:pic>
         <p:nvPicPr>
-          <p:cNvPr id="30" name="Picture 29"/>
-          <p:cNvPicPr>
-            <a:picLocks noChangeAspect="1"/>
-          </p:cNvPicPr>
-          <p:nvPr/>
-        </p:nvPicPr>
-        <p:blipFill>
-          <a:blip r:embed="rId14">
-            <a:extLst>
-              <a:ext uri="{28A0092B-C50C-407E-A947-70E740481C1C}">
-                <a14:useLocalDpi xmlns:a14="http://schemas.microsoft.com/office/drawing/2010/main" val="0"/>
-              </a:ext>
-            </a:extLst>
-          </a:blip>
-          <a:stretch>
-            <a:fillRect/>
-          </a:stretch>
-        </p:blipFill>
-        <p:spPr>
-          <a:xfrm>
-            <a:off x="5334273" y="2902964"/>
-            <a:ext cx="1004424" cy="1565031"/>
-          </a:xfrm>
-          <a:prstGeom prst="rect">
-            <a:avLst/>
-          </a:prstGeom>
-          <a:effectLst>
-            <a:outerShdw blurRad="50800" dist="38100" dir="2700000" algn="tl" rotWithShape="0">
-              <a:prstClr val="black">
-                <a:alpha val="40000"/>
-              </a:prstClr>
-            </a:outerShdw>
-          </a:effectLst>
-        </p:spPr>
-      </p:pic>
-      <p:pic>
-        <p:nvPicPr>
-          <p:cNvPr id="6" name="Picture 5"/>
+          <p:cNvPr id="24" name="Picture 23"/>
           <p:cNvPicPr>
             <a:picLocks noChangeAspect="1"/>
           </p:cNvPicPr>
@@ -3679,8 +4219,38 @@
         </p:blipFill>
         <p:spPr>
           <a:xfrm>
-            <a:off x="6389957" y="3384377"/>
-            <a:ext cx="2718547" cy="3140967"/>
+            <a:off x="3787517" y="974547"/>
+            <a:ext cx="1004424" cy="1565031"/>
+          </a:xfrm>
+          <a:prstGeom prst="rect">
+            <a:avLst/>
+          </a:prstGeom>
+        </p:spPr>
+      </p:pic>
+      <p:pic>
+        <p:nvPicPr>
+          <p:cNvPr id="29" name="Picture 28"/>
+          <p:cNvPicPr>
+            <a:picLocks noChangeAspect="1"/>
+          </p:cNvPicPr>
+          <p:nvPr/>
+        </p:nvPicPr>
+        <p:blipFill>
+          <a:blip r:embed="rId15">
+            <a:extLst>
+              <a:ext uri="{28A0092B-C50C-407E-A947-70E740481C1C}">
+                <a14:useLocalDpi xmlns:a14="http://schemas.microsoft.com/office/drawing/2010/main" val="0"/>
+              </a:ext>
+            </a:extLst>
+          </a:blip>
+          <a:stretch>
+            <a:fillRect/>
+          </a:stretch>
+        </p:blipFill>
+        <p:spPr>
+          <a:xfrm>
+            <a:off x="2987824" y="974547"/>
+            <a:ext cx="1004424" cy="1565031"/>
           </a:xfrm>
           <a:prstGeom prst="rect">
             <a:avLst/>
@@ -3696,6 +4266,80 @@
       </p:pic>
       <p:pic>
         <p:nvPicPr>
+          <p:cNvPr id="30" name="Picture 29"/>
+          <p:cNvPicPr>
+            <a:picLocks noChangeAspect="1"/>
+          </p:cNvPicPr>
+          <p:nvPr/>
+        </p:nvPicPr>
+        <p:blipFill>
+          <a:blip r:embed="rId15">
+            <a:extLst>
+              <a:ext uri="{28A0092B-C50C-407E-A947-70E740481C1C}">
+                <a14:useLocalDpi xmlns:a14="http://schemas.microsoft.com/office/drawing/2010/main" val="0"/>
+              </a:ext>
+            </a:extLst>
+          </a:blip>
+          <a:stretch>
+            <a:fillRect/>
+          </a:stretch>
+        </p:blipFill>
+        <p:spPr>
+          <a:xfrm>
+            <a:off x="5334273" y="2902964"/>
+            <a:ext cx="1004424" cy="1565031"/>
+          </a:xfrm>
+          <a:prstGeom prst="rect">
+            <a:avLst/>
+          </a:prstGeom>
+          <a:effectLst>
+            <a:outerShdw blurRad="50800" dist="38100" dir="2700000" algn="tl" rotWithShape="0">
+              <a:prstClr val="black">
+                <a:alpha val="40000"/>
+              </a:prstClr>
+            </a:outerShdw>
+          </a:effectLst>
+        </p:spPr>
+      </p:pic>
+      <p:pic>
+        <p:nvPicPr>
+          <p:cNvPr id="6" name="Picture 5"/>
+          <p:cNvPicPr>
+            <a:picLocks noChangeAspect="1"/>
+          </p:cNvPicPr>
+          <p:nvPr/>
+        </p:nvPicPr>
+        <p:blipFill>
+          <a:blip r:embed="rId16">
+            <a:extLst>
+              <a:ext uri="{28A0092B-C50C-407E-A947-70E740481C1C}">
+                <a14:useLocalDpi xmlns:a14="http://schemas.microsoft.com/office/drawing/2010/main" val="0"/>
+              </a:ext>
+            </a:extLst>
+          </a:blip>
+          <a:stretch>
+            <a:fillRect/>
+          </a:stretch>
+        </p:blipFill>
+        <p:spPr>
+          <a:xfrm>
+            <a:off x="6389957" y="3384377"/>
+            <a:ext cx="2718547" cy="3140967"/>
+          </a:xfrm>
+          <a:prstGeom prst="rect">
+            <a:avLst/>
+          </a:prstGeom>
+          <a:effectLst>
+            <a:outerShdw blurRad="50800" dist="38100" dir="2700000" algn="tl" rotWithShape="0">
+              <a:prstClr val="black">
+                <a:alpha val="40000"/>
+              </a:prstClr>
+            </a:outerShdw>
+          </a:effectLst>
+        </p:spPr>
+      </p:pic>
+      <p:pic>
+        <p:nvPicPr>
           <p:cNvPr id="10" name="Picture 9"/>
           <p:cNvPicPr>
             <a:picLocks noChangeAspect="1"/>
@@ -3703,11 +4347,11 @@
           <p:nvPr/>
         </p:nvPicPr>
         <p:blipFill>
-          <a:blip r:embed="rId16" cstate="print">
+          <a:blip r:embed="rId17" cstate="print">
             <a:extLst>
               <a:ext uri="{BEBA8EAE-BF5A-486C-A8C5-ECC9F3942E4B}">
                 <a14:imgProps xmlns:a14="http://schemas.microsoft.com/office/drawing/2010/main">
-                  <a14:imgLayer r:embed="rId17">
+                  <a14:imgLayer r:embed="rId18">
                     <a14:imgEffect>
                       <a14:saturation sat="400000"/>
                     </a14:imgEffect>
@@ -3749,11 +4393,11 @@
           <p:nvPr/>
         </p:nvPicPr>
         <p:blipFill>
-          <a:blip r:embed="rId16" cstate="print">
+          <a:blip r:embed="rId17" cstate="print">
             <a:extLst>
               <a:ext uri="{BEBA8EAE-BF5A-486C-A8C5-ECC9F3942E4B}">
                 <a14:imgProps xmlns:a14="http://schemas.microsoft.com/office/drawing/2010/main">
-                  <a14:imgLayer r:embed="rId17">
+                  <a14:imgLayer r:embed="rId18">
                     <a14:imgEffect>
                       <a14:saturation sat="400000"/>
                     </a14:imgEffect>
@@ -3795,7 +4439,7 @@
           <p:nvPr/>
         </p:nvPicPr>
         <p:blipFill>
-          <a:blip r:embed="rId18">
+          <a:blip r:embed="rId19">
             <a:extLst>
               <a:ext uri="{28A0092B-C50C-407E-A947-70E740481C1C}">
                 <a14:useLocalDpi xmlns:a14="http://schemas.microsoft.com/office/drawing/2010/main" val="0"/>
@@ -4441,6 +5085,29 @@
           </a:p>
         </p:txBody>
       </p:sp>
+      <p:sp>
+        <p:nvSpPr>
+          <p:cNvPr id="4" name="Slide Number Placeholder 3"/>
+          <p:cNvSpPr>
+            <a:spLocks noGrp="1"/>
+          </p:cNvSpPr>
+          <p:nvPr>
+            <p:ph type="sldNum" sz="quarter" idx="12"/>
+          </p:nvPr>
+        </p:nvSpPr>
+        <p:spPr/>
+        <p:txBody>
+          <a:bodyPr/>
+          <a:lstStyle/>
+          <a:p>
+            <a:fld id="{C84FE6B2-6624-4AEF-AA0A-2E90FFFF6AB6}" type="slidenum">
+              <a:rPr lang="vi-VN" smtClean="0"/>
+              <a:t>10</a:t>
+            </a:fld>
+            <a:endParaRPr lang="vi-VN"/>
+          </a:p>
+        </p:txBody>
+      </p:sp>
     </p:spTree>
     <p:extLst>
       <p:ext uri="{BB962C8B-B14F-4D97-AF65-F5344CB8AC3E}">
@@ -4943,6 +5610,29 @@
           </a:p>
         </p:txBody>
       </p:sp>
+      <p:sp>
+        <p:nvSpPr>
+          <p:cNvPr id="4" name="Slide Number Placeholder 3"/>
+          <p:cNvSpPr>
+            <a:spLocks noGrp="1"/>
+          </p:cNvSpPr>
+          <p:nvPr>
+            <p:ph type="sldNum" sz="quarter" idx="12"/>
+          </p:nvPr>
+        </p:nvSpPr>
+        <p:spPr/>
+        <p:txBody>
+          <a:bodyPr/>
+          <a:lstStyle/>
+          <a:p>
+            <a:fld id="{C84FE6B2-6624-4AEF-AA0A-2E90FFFF6AB6}" type="slidenum">
+              <a:rPr lang="vi-VN" smtClean="0"/>
+              <a:t>11</a:t>
+            </a:fld>
+            <a:endParaRPr lang="vi-VN"/>
+          </a:p>
+        </p:txBody>
+      </p:sp>
     </p:spTree>
     <p:extLst>
       <p:ext uri="{BB962C8B-B14F-4D97-AF65-F5344CB8AC3E}">
@@ -5364,6 +6054,29 @@
           </a:p>
         </p:txBody>
       </p:sp>
+      <p:sp>
+        <p:nvSpPr>
+          <p:cNvPr id="4" name="Slide Number Placeholder 3"/>
+          <p:cNvSpPr>
+            <a:spLocks noGrp="1"/>
+          </p:cNvSpPr>
+          <p:nvPr>
+            <p:ph type="sldNum" sz="quarter" idx="12"/>
+          </p:nvPr>
+        </p:nvSpPr>
+        <p:spPr/>
+        <p:txBody>
+          <a:bodyPr/>
+          <a:lstStyle/>
+          <a:p>
+            <a:fld id="{C84FE6B2-6624-4AEF-AA0A-2E90FFFF6AB6}" type="slidenum">
+              <a:rPr lang="vi-VN" smtClean="0"/>
+              <a:t>12</a:t>
+            </a:fld>
+            <a:endParaRPr lang="vi-VN"/>
+          </a:p>
+        </p:txBody>
+      </p:sp>
     </p:spTree>
     <p:extLst>
       <p:ext uri="{BB962C8B-B14F-4D97-AF65-F5344CB8AC3E}">
@@ -5776,15 +6489,7 @@
                   <a:srgbClr val="00B050"/>
                 </a:solidFill>
               </a:rPr>
-              <a:t>int SDL_PollEvent(SDL_Event * </a:t>
-            </a:r>
-            <a:r>
-              <a:rPr lang="en-US" sz="2800">
-                <a:solidFill>
-                  <a:srgbClr val="00B050"/>
-                </a:solidFill>
-              </a:rPr>
-              <a:t>e</a:t>
+              <a:t>int SDL_PollEvent(SDL_Event * e</a:t>
             </a:r>
             <a:r>
               <a:rPr lang="en-US" sz="2800" smtClean="0">
@@ -5811,15 +6516,7 @@
                   <a:srgbClr val="00B050"/>
                 </a:solidFill>
               </a:rPr>
-              <a:t>int SDL_PushEvent(SDL_Event * </a:t>
-            </a:r>
-            <a:r>
-              <a:rPr lang="en-US" sz="2800">
-                <a:solidFill>
-                  <a:srgbClr val="00B050"/>
-                </a:solidFill>
-              </a:rPr>
-              <a:t>e</a:t>
+              <a:t>int SDL_PushEvent(SDL_Event * e</a:t>
             </a:r>
             <a:r>
               <a:rPr lang="en-US" sz="2800" smtClean="0">
@@ -5846,15 +6543,7 @@
                   <a:srgbClr val="00B050"/>
                 </a:solidFill>
               </a:rPr>
-              <a:t>SDL_WaitEvent(SDL_Event * </a:t>
-            </a:r>
-            <a:r>
-              <a:rPr lang="en-US" sz="2800">
-                <a:solidFill>
-                  <a:srgbClr val="00B050"/>
-                </a:solidFill>
-              </a:rPr>
-              <a:t>e</a:t>
+              <a:t>SDL_WaitEvent(SDL_Event * e</a:t>
             </a:r>
             <a:r>
               <a:rPr lang="en-US" sz="2800" smtClean="0">
@@ -5877,6 +6566,29 @@
                 <a:schemeClr val="tx1"/>
               </a:solidFill>
             </a:endParaRPr>
+          </a:p>
+        </p:txBody>
+      </p:sp>
+      <p:sp>
+        <p:nvSpPr>
+          <p:cNvPr id="4" name="Slide Number Placeholder 3"/>
+          <p:cNvSpPr>
+            <a:spLocks noGrp="1"/>
+          </p:cNvSpPr>
+          <p:nvPr>
+            <p:ph type="sldNum" sz="quarter" idx="12"/>
+          </p:nvPr>
+        </p:nvSpPr>
+        <p:spPr/>
+        <p:txBody>
+          <a:bodyPr/>
+          <a:lstStyle/>
+          <a:p>
+            <a:fld id="{C84FE6B2-6624-4AEF-AA0A-2E90FFFF6AB6}" type="slidenum">
+              <a:rPr lang="vi-VN" smtClean="0"/>
+              <a:t>13</a:t>
+            </a:fld>
+            <a:endParaRPr lang="vi-VN"/>
           </a:p>
         </p:txBody>
       </p:sp>
@@ -6237,8 +6949,43 @@
             </a:r>
           </a:p>
           <a:p>
+            <a:pPr marL="457200" indent="-457200">
+              <a:buFont typeface="Wingdings" pitchFamily="2" charset="2"/>
+              <a:buChar char="v"/>
+            </a:pPr>
             <a:r>
               <a:rPr lang="en-US" sz="2800">
+                <a:solidFill>
+                  <a:srgbClr val="00B050"/>
+                </a:solidFill>
+              </a:rPr>
+              <a:t>SDL_bool SDL_HasIntersection(const SDL_Rect * a, const SDL_Rect * b) </a:t>
+            </a:r>
+            <a:endParaRPr lang="en-US" sz="2800" smtClean="0">
+              <a:solidFill>
+                <a:srgbClr val="00B050"/>
+              </a:solidFill>
+            </a:endParaRPr>
+          </a:p>
+          <a:p>
+            <a:r>
+              <a:rPr lang="en-US" sz="2800">
+                <a:solidFill>
+                  <a:srgbClr val="00B050"/>
+                </a:solidFill>
+              </a:rPr>
+              <a:t> </a:t>
+            </a:r>
+            <a:r>
+              <a:rPr lang="en-US" sz="2800" smtClean="0">
+                <a:solidFill>
+                  <a:srgbClr val="00B050"/>
+                </a:solidFill>
+              </a:rPr>
+              <a:t>     </a:t>
+            </a:r>
+            <a:r>
+              <a:rPr lang="en-US" sz="2800" smtClean="0">
                 <a:solidFill>
                   <a:schemeClr val="tx1">
                     <a:lumMod val="95000"/>
@@ -6246,7 +6993,18 @@
                   </a:schemeClr>
                 </a:solidFill>
               </a:rPr>
-              <a:t>SDL_bool SDL_HasIntersection(const SDL_Rect * a, const SDL_Rect * b) Kiểm tra xem hình chữ nhật a có giao với hình chữ nhật b hay không. Nếu có chúng có va chạm.</a:t>
+              <a:t>Kiểm </a:t>
+            </a:r>
+            <a:r>
+              <a:rPr lang="en-US" sz="2800">
+                <a:solidFill>
+                  <a:schemeClr val="tx1">
+                    <a:lumMod val="95000"/>
+                    <a:lumOff val="5000"/>
+                  </a:schemeClr>
+                </a:solidFill>
+              </a:rPr>
+              <a:t>tra xem hình chữ nhật a có giao với hình chữ nhật b hay không. Nếu có chúng có va chạm.</a:t>
             </a:r>
           </a:p>
           <a:p>
@@ -6256,6 +7014,29 @@
                 <a:schemeClr val="tx1"/>
               </a:solidFill>
             </a:endParaRPr>
+          </a:p>
+        </p:txBody>
+      </p:sp>
+      <p:sp>
+        <p:nvSpPr>
+          <p:cNvPr id="4" name="Slide Number Placeholder 3"/>
+          <p:cNvSpPr>
+            <a:spLocks noGrp="1"/>
+          </p:cNvSpPr>
+          <p:nvPr>
+            <p:ph type="sldNum" sz="quarter" idx="12"/>
+          </p:nvPr>
+        </p:nvSpPr>
+        <p:spPr/>
+        <p:txBody>
+          <a:bodyPr/>
+          <a:lstStyle/>
+          <a:p>
+            <a:fld id="{C84FE6B2-6624-4AEF-AA0A-2E90FFFF6AB6}" type="slidenum">
+              <a:rPr lang="vi-VN" smtClean="0"/>
+              <a:t>14</a:t>
+            </a:fld>
+            <a:endParaRPr lang="vi-VN"/>
           </a:p>
         </p:txBody>
       </p:sp>
@@ -6357,9 +7138,97 @@
           </a:prstGeom>
         </p:spPr>
       </p:pic>
+      <p:sp>
+        <p:nvSpPr>
+          <p:cNvPr id="3" name="Rectangle 2"/>
+          <p:cNvSpPr/>
+          <p:nvPr/>
+        </p:nvSpPr>
+        <p:spPr>
+          <a:xfrm>
+            <a:off x="1043608" y="834971"/>
+            <a:ext cx="360040" cy="649813"/>
+          </a:xfrm>
+          <a:prstGeom prst="rect">
+            <a:avLst/>
+          </a:prstGeom>
+          <a:solidFill>
+            <a:schemeClr val="accent2">
+              <a:lumMod val="75000"/>
+            </a:schemeClr>
+          </a:solidFill>
+          <a:ln/>
+        </p:spPr>
+        <p:style>
+          <a:lnRef idx="0">
+            <a:schemeClr val="accent2"/>
+          </a:lnRef>
+          <a:fillRef idx="3">
+            <a:schemeClr val="accent2"/>
+          </a:fillRef>
+          <a:effectRef idx="3">
+            <a:schemeClr val="accent2"/>
+          </a:effectRef>
+          <a:fontRef idx="minor">
+            <a:schemeClr val="lt1"/>
+          </a:fontRef>
+        </p:style>
+        <p:txBody>
+          <a:bodyPr rtlCol="0" anchor="ctr"/>
+          <a:lstStyle/>
+          <a:p>
+            <a:pPr algn="ctr"/>
+            <a:endParaRPr lang="vi-VN"/>
+          </a:p>
+        </p:txBody>
+      </p:sp>
+      <p:sp>
+        <p:nvSpPr>
+          <p:cNvPr id="8" name="Rectangle 7"/>
+          <p:cNvSpPr/>
+          <p:nvPr/>
+        </p:nvSpPr>
+        <p:spPr>
+          <a:xfrm>
+            <a:off x="6156176" y="834970"/>
+            <a:ext cx="360040" cy="649813"/>
+          </a:xfrm>
+          <a:prstGeom prst="rect">
+            <a:avLst/>
+          </a:prstGeom>
+          <a:solidFill>
+            <a:schemeClr val="accent2">
+              <a:lumMod val="75000"/>
+            </a:schemeClr>
+          </a:solidFill>
+          <a:ln/>
+        </p:spPr>
+        <p:style>
+          <a:lnRef idx="0">
+            <a:schemeClr val="accent2"/>
+          </a:lnRef>
+          <a:fillRef idx="3">
+            <a:schemeClr val="accent2"/>
+          </a:fillRef>
+          <a:effectRef idx="3">
+            <a:schemeClr val="accent2"/>
+          </a:effectRef>
+          <a:fontRef idx="minor">
+            <a:schemeClr val="lt1"/>
+          </a:fontRef>
+        </p:style>
+        <p:txBody>
+          <a:bodyPr rtlCol="0" anchor="ctr"/>
+          <a:lstStyle/>
+          <a:p>
+            <a:pPr algn="ctr"/>
+            <a:endParaRPr lang="vi-VN"/>
+          </a:p>
+        </p:txBody>
+      </p:sp>
       <p:pic>
         <p:nvPicPr>
-          <p:cNvPr id="2" name="Picture 1"/>
+          <p:cNvPr id="9" name="Picture 8"/>
           <p:cNvPicPr>
             <a:picLocks noChangeAspect="1"/>
           </p:cNvPicPr>
@@ -6379,8 +7248,8 @@
         </p:blipFill>
         <p:spPr>
           <a:xfrm rot="5400000">
-            <a:off x="5317394" y="-2917886"/>
-            <a:ext cx="704948" cy="6948264"/>
+            <a:off x="3193666" y="-3005026"/>
+            <a:ext cx="704948" cy="7092280"/>
           </a:xfrm>
           <a:prstGeom prst="rect">
             <a:avLst/>
@@ -6402,8 +7271,8 @@
         </p:nvSpPr>
         <p:spPr>
           <a:xfrm>
-            <a:off x="4067944" y="188640"/>
-            <a:ext cx="2948371" cy="646331"/>
+            <a:off x="884900" y="188640"/>
+            <a:ext cx="3278462" cy="646331"/>
           </a:xfrm>
           <a:prstGeom prst="rect">
             <a:avLst/>
@@ -6417,7 +7286,7 @@
           <a:lstStyle/>
           <a:p>
             <a:r>
-              <a:rPr lang="en-US" sz="3600" b="1" smtClean="0">
+              <a:rPr lang="en-US" sz="3600" b="1">
                 <a:solidFill>
                   <a:schemeClr val="bg1"/>
                 </a:solidFill>
@@ -6429,7 +7298,22 @@
                   </a:outerShdw>
                 </a:effectLst>
               </a:rPr>
-              <a:t>4: Demo game</a:t>
+              <a:t>3</a:t>
+            </a:r>
+            <a:r>
+              <a:rPr lang="en-US" sz="3600" b="1" smtClean="0">
+                <a:solidFill>
+                  <a:schemeClr val="bg1"/>
+                </a:solidFill>
+                <a:effectLst>
+                  <a:outerShdw blurRad="38100" dist="38100" dir="2700000" algn="tl">
+                    <a:srgbClr val="000000">
+                      <a:alpha val="43137"/>
+                    </a:srgbClr>
+                  </a:outerShdw>
+                </a:effectLst>
+              </a:rPr>
+              <a:t>: Sử dụng SDL2</a:t>
             </a:r>
             <a:endParaRPr lang="vi-VN" sz="3600" b="1">
               <a:solidFill>
@@ -6448,32 +7332,30 @@
       </p:sp>
       <p:sp>
         <p:nvSpPr>
-          <p:cNvPr id="3" name="Rounded Rectangle 2"/>
+          <p:cNvPr id="2" name="Rounded Rectangle 1"/>
           <p:cNvSpPr/>
           <p:nvPr/>
         </p:nvSpPr>
         <p:spPr>
           <a:xfrm>
-            <a:off x="395536" y="1052736"/>
-            <a:ext cx="7704856" cy="4896544"/>
+            <a:off x="395536" y="1340768"/>
+            <a:ext cx="8352928" cy="4464496"/>
           </a:xfrm>
           <a:prstGeom prst="roundRect">
             <a:avLst>
-              <a:gd name="adj" fmla="val 3414"/>
+              <a:gd name="adj" fmla="val 3123"/>
             </a:avLst>
           </a:prstGeom>
           <a:solidFill>
-            <a:schemeClr val="bg1"/>
+            <a:srgbClr val="ECF1F8"/>
           </a:solidFill>
           <a:ln>
             <a:noFill/>
           </a:ln>
           <a:effectLst>
-            <a:outerShdw blurRad="63500" sx="102000" sy="102000" algn="ctr" rotWithShape="0">
-              <a:prstClr val="black">
-                <a:alpha val="40000"/>
-              </a:prstClr>
-            </a:outerShdw>
+            <a:innerShdw blurRad="114300">
+              <a:prstClr val="black"/>
+            </a:innerShdw>
           </a:effectLst>
         </p:spPr>
         <p:style>
@@ -6496,6 +7378,509 @@
           <a:bodyPr rtlCol="0" anchor="ctr"/>
           <a:lstStyle/>
           <a:p>
+            <a:pPr lvl="1" algn="ctr"/>
+            <a:endParaRPr lang="en-US" sz="2800" b="1" smtClean="0">
+              <a:solidFill>
+                <a:schemeClr val="tx1"/>
+              </a:solidFill>
+            </a:endParaRPr>
+          </a:p>
+        </p:txBody>
+      </p:sp>
+      <p:sp>
+        <p:nvSpPr>
+          <p:cNvPr id="4" name="Slide Number Placeholder 3"/>
+          <p:cNvSpPr>
+            <a:spLocks noGrp="1"/>
+          </p:cNvSpPr>
+          <p:nvPr>
+            <p:ph type="sldNum" sz="quarter" idx="12"/>
+          </p:nvPr>
+        </p:nvSpPr>
+        <p:spPr/>
+        <p:txBody>
+          <a:bodyPr/>
+          <a:lstStyle/>
+          <a:p>
+            <a:fld id="{C84FE6B2-6624-4AEF-AA0A-2E90FFFF6AB6}" type="slidenum">
+              <a:rPr lang="vi-VN" smtClean="0"/>
+              <a:t>15</a:t>
+            </a:fld>
+            <a:endParaRPr lang="vi-VN"/>
+          </a:p>
+        </p:txBody>
+      </p:sp>
+      <p:pic>
+        <p:nvPicPr>
+          <p:cNvPr id="7" name="Picture 6"/>
+          <p:cNvPicPr>
+            <a:picLocks noChangeAspect="1"/>
+          </p:cNvPicPr>
+          <p:nvPr/>
+        </p:nvPicPr>
+        <p:blipFill>
+          <a:blip r:embed="rId5">
+            <a:extLst>
+              <a:ext uri="{28A0092B-C50C-407E-A947-70E740481C1C}">
+                <a14:useLocalDpi xmlns:a14="http://schemas.microsoft.com/office/drawing/2010/main" val="0"/>
+              </a:ext>
+            </a:extLst>
+          </a:blip>
+          <a:stretch>
+            <a:fillRect/>
+          </a:stretch>
+        </p:blipFill>
+        <p:spPr>
+          <a:xfrm>
+            <a:off x="611560" y="2238267"/>
+            <a:ext cx="7920880" cy="3460286"/>
+          </a:xfrm>
+          <a:prstGeom prst="rect">
+            <a:avLst/>
+          </a:prstGeom>
+        </p:spPr>
+      </p:pic>
+      <p:sp>
+        <p:nvSpPr>
+          <p:cNvPr id="11" name="Rounded Rectangle 10"/>
+          <p:cNvSpPr/>
+          <p:nvPr/>
+        </p:nvSpPr>
+        <p:spPr>
+          <a:xfrm>
+            <a:off x="611560" y="1484784"/>
+            <a:ext cx="5688632" cy="720080"/>
+          </a:xfrm>
+          <a:prstGeom prst="roundRect">
+            <a:avLst/>
+          </a:prstGeom>
+          <a:solidFill>
+            <a:schemeClr val="accent5">
+              <a:lumMod val="20000"/>
+              <a:lumOff val="80000"/>
+            </a:schemeClr>
+          </a:solidFill>
+          <a:ln>
+            <a:solidFill>
+              <a:schemeClr val="bg1">
+                <a:lumMod val="75000"/>
+              </a:schemeClr>
+            </a:solidFill>
+          </a:ln>
+          <a:effectLst>
+            <a:innerShdw blurRad="114300">
+              <a:prstClr val="black"/>
+            </a:innerShdw>
+          </a:effectLst>
+        </p:spPr>
+        <p:style>
+          <a:lnRef idx="2">
+            <a:schemeClr val="accent1">
+              <a:shade val="50000"/>
+            </a:schemeClr>
+          </a:lnRef>
+          <a:fillRef idx="1">
+            <a:schemeClr val="accent1"/>
+          </a:fillRef>
+          <a:effectRef idx="0">
+            <a:schemeClr val="accent1"/>
+          </a:effectRef>
+          <a:fontRef idx="minor">
+            <a:schemeClr val="lt1"/>
+          </a:fontRef>
+        </p:style>
+        <p:txBody>
+          <a:bodyPr rtlCol="0" anchor="ctr"/>
+          <a:lstStyle/>
+          <a:p>
+            <a:r>
+              <a:rPr lang="en-US" sz="2400">
+                <a:solidFill>
+                  <a:srgbClr val="00B050"/>
+                </a:solidFill>
+              </a:rPr>
+              <a:t>https</a:t>
+            </a:r>
+            <a:r>
+              <a:rPr lang="en-US" sz="2400">
+                <a:solidFill>
+                  <a:srgbClr val="00B050"/>
+                </a:solidFill>
+              </a:rPr>
+              <a:t>://</a:t>
+            </a:r>
+            <a:r>
+              <a:rPr lang="en-US" sz="2400" smtClean="0">
+                <a:solidFill>
+                  <a:schemeClr val="tx1"/>
+                </a:solidFill>
+              </a:rPr>
+              <a:t>wiki.libsdl.org/</a:t>
+            </a:r>
+            <a:endParaRPr lang="en-US" sz="2400"/>
+          </a:p>
+        </p:txBody>
+      </p:sp>
+      <p:sp>
+        <p:nvSpPr>
+          <p:cNvPr id="12" name="Oval 11"/>
+          <p:cNvSpPr/>
+          <p:nvPr/>
+        </p:nvSpPr>
+        <p:spPr>
+          <a:xfrm>
+            <a:off x="6804249" y="1628800"/>
+            <a:ext cx="360039" cy="360040"/>
+          </a:xfrm>
+          <a:prstGeom prst="ellipse">
+            <a:avLst/>
+          </a:prstGeom>
+          <a:solidFill>
+            <a:srgbClr val="FF0000"/>
+          </a:solidFill>
+        </p:spPr>
+        <p:style>
+          <a:lnRef idx="0">
+            <a:schemeClr val="accent6"/>
+          </a:lnRef>
+          <a:fillRef idx="3">
+            <a:schemeClr val="accent6"/>
+          </a:fillRef>
+          <a:effectRef idx="3">
+            <a:schemeClr val="accent6"/>
+          </a:effectRef>
+          <a:fontRef idx="minor">
+            <a:schemeClr val="lt1"/>
+          </a:fontRef>
+        </p:style>
+        <p:txBody>
+          <a:bodyPr rtlCol="0" anchor="ctr"/>
+          <a:lstStyle/>
+          <a:p>
+            <a:pPr algn="ctr"/>
+            <a:endParaRPr lang="vi-VN"/>
+          </a:p>
+        </p:txBody>
+      </p:sp>
+      <p:sp>
+        <p:nvSpPr>
+          <p:cNvPr id="13" name="Oval 12"/>
+          <p:cNvSpPr/>
+          <p:nvPr/>
+        </p:nvSpPr>
+        <p:spPr>
+          <a:xfrm>
+            <a:off x="7276871" y="1628800"/>
+            <a:ext cx="360039" cy="360040"/>
+          </a:xfrm>
+          <a:prstGeom prst="ellipse">
+            <a:avLst/>
+          </a:prstGeom>
+          <a:solidFill>
+            <a:srgbClr val="FFC000"/>
+          </a:solidFill>
+        </p:spPr>
+        <p:style>
+          <a:lnRef idx="0">
+            <a:schemeClr val="accent6"/>
+          </a:lnRef>
+          <a:fillRef idx="3">
+            <a:schemeClr val="accent6"/>
+          </a:fillRef>
+          <a:effectRef idx="3">
+            <a:schemeClr val="accent6"/>
+          </a:effectRef>
+          <a:fontRef idx="minor">
+            <a:schemeClr val="lt1"/>
+          </a:fontRef>
+        </p:style>
+        <p:txBody>
+          <a:bodyPr rtlCol="0" anchor="ctr"/>
+          <a:lstStyle/>
+          <a:p>
+            <a:pPr algn="ctr"/>
+            <a:endParaRPr lang="vi-VN"/>
+          </a:p>
+        </p:txBody>
+      </p:sp>
+      <p:sp>
+        <p:nvSpPr>
+          <p:cNvPr id="14" name="Oval 13"/>
+          <p:cNvSpPr/>
+          <p:nvPr/>
+        </p:nvSpPr>
+        <p:spPr>
+          <a:xfrm>
+            <a:off x="7740353" y="1628800"/>
+            <a:ext cx="360039" cy="360040"/>
+          </a:xfrm>
+          <a:prstGeom prst="ellipse">
+            <a:avLst/>
+          </a:prstGeom>
+          <a:solidFill>
+            <a:srgbClr val="00B050"/>
+          </a:solidFill>
+        </p:spPr>
+        <p:style>
+          <a:lnRef idx="0">
+            <a:schemeClr val="accent6"/>
+          </a:lnRef>
+          <a:fillRef idx="3">
+            <a:schemeClr val="accent6"/>
+          </a:fillRef>
+          <a:effectRef idx="3">
+            <a:schemeClr val="accent6"/>
+          </a:effectRef>
+          <a:fontRef idx="minor">
+            <a:schemeClr val="lt1"/>
+          </a:fontRef>
+        </p:style>
+        <p:txBody>
+          <a:bodyPr rtlCol="0" anchor="ctr"/>
+          <a:lstStyle/>
+          <a:p>
+            <a:pPr algn="ctr"/>
+            <a:endParaRPr lang="vi-VN"/>
+          </a:p>
+        </p:txBody>
+      </p:sp>
+    </p:spTree>
+    <p:extLst>
+      <p:ext uri="{BB962C8B-B14F-4D97-AF65-F5344CB8AC3E}">
+        <p14:creationId xmlns:p14="http://schemas.microsoft.com/office/powerpoint/2010/main" val="2306199696"/>
+      </p:ext>
+    </p:extLst>
+  </p:cSld>
+  <p:clrMapOvr>
+    <a:masterClrMapping/>
+  </p:clrMapOvr>
+  <p:timing>
+    <p:tnLst>
+      <p:par>
+        <p:cTn id="1" dur="indefinite" restart="never" nodeType="tmRoot"/>
+      </p:par>
+    </p:tnLst>
+  </p:timing>
+</p:sld>
+</file>
+
+<file path=ppt/slides/slide16.xml><?xml version="1.0" encoding="utf-8"?>
+<p:sld xmlns:a="http://schemas.openxmlformats.org/drawingml/2006/main" xmlns:r="http://schemas.openxmlformats.org/officeDocument/2006/relationships" xmlns:p="http://schemas.openxmlformats.org/presentationml/2006/main">
+  <p:cSld>
+    <p:spTree>
+      <p:nvGrpSpPr>
+        <p:cNvPr id="1" name=""/>
+        <p:cNvGrpSpPr/>
+        <p:nvPr/>
+      </p:nvGrpSpPr>
+      <p:grpSpPr>
+        <a:xfrm>
+          <a:off x="0" y="0"/>
+          <a:ext cx="0" cy="0"/>
+          <a:chOff x="0" y="0"/>
+          <a:chExt cx="0" cy="0"/>
+        </a:xfrm>
+      </p:grpSpPr>
+      <p:pic>
+        <p:nvPicPr>
+          <p:cNvPr id="5" name="Picture 4"/>
+          <p:cNvPicPr>
+            <a:picLocks noChangeAspect="1"/>
+          </p:cNvPicPr>
+          <p:nvPr/>
+        </p:nvPicPr>
+        <p:blipFill>
+          <a:blip r:embed="rId2">
+            <a:extLst>
+              <a:ext uri="{28A0092B-C50C-407E-A947-70E740481C1C}">
+                <a14:useLocalDpi xmlns:a14="http://schemas.microsoft.com/office/drawing/2010/main" val="0"/>
+              </a:ext>
+            </a:extLst>
+          </a:blip>
+          <a:stretch>
+            <a:fillRect/>
+          </a:stretch>
+        </p:blipFill>
+        <p:spPr>
+          <a:xfrm>
+            <a:off x="0" y="0"/>
+            <a:ext cx="9144000" cy="6885384"/>
+          </a:xfrm>
+          <a:prstGeom prst="rect">
+            <a:avLst/>
+          </a:prstGeom>
+        </p:spPr>
+      </p:pic>
+      <p:pic>
+        <p:nvPicPr>
+          <p:cNvPr id="6" name="Picture 5"/>
+          <p:cNvPicPr>
+            <a:picLocks noChangeAspect="1"/>
+          </p:cNvPicPr>
+          <p:nvPr/>
+        </p:nvPicPr>
+        <p:blipFill>
+          <a:blip r:embed="rId3">
+            <a:lum bright="70000" contrast="-70000"/>
+            <a:extLst>
+              <a:ext uri="{28A0092B-C50C-407E-A947-70E740481C1C}">
+                <a14:useLocalDpi xmlns:a14="http://schemas.microsoft.com/office/drawing/2010/main" val="0"/>
+              </a:ext>
+            </a:extLst>
+          </a:blip>
+          <a:stretch>
+            <a:fillRect/>
+          </a:stretch>
+        </p:blipFill>
+        <p:spPr>
+          <a:xfrm>
+            <a:off x="0" y="0"/>
+            <a:ext cx="9144000" cy="5589240"/>
+          </a:xfrm>
+          <a:prstGeom prst="rect">
+            <a:avLst/>
+          </a:prstGeom>
+        </p:spPr>
+      </p:pic>
+      <p:pic>
+        <p:nvPicPr>
+          <p:cNvPr id="2" name="Picture 1"/>
+          <p:cNvPicPr>
+            <a:picLocks noChangeAspect="1"/>
+          </p:cNvPicPr>
+          <p:nvPr/>
+        </p:nvPicPr>
+        <p:blipFill>
+          <a:blip r:embed="rId4">
+            <a:extLst>
+              <a:ext uri="{28A0092B-C50C-407E-A947-70E740481C1C}">
+                <a14:useLocalDpi xmlns:a14="http://schemas.microsoft.com/office/drawing/2010/main" val="0"/>
+              </a:ext>
+            </a:extLst>
+          </a:blip>
+          <a:stretch>
+            <a:fillRect/>
+          </a:stretch>
+        </p:blipFill>
+        <p:spPr>
+          <a:xfrm rot="5400000">
+            <a:off x="5317394" y="-2917886"/>
+            <a:ext cx="704948" cy="6948264"/>
+          </a:xfrm>
+          <a:prstGeom prst="rect">
+            <a:avLst/>
+          </a:prstGeom>
+          <a:effectLst>
+            <a:outerShdw blurRad="50800" dist="38100" dir="5400000" algn="t" rotWithShape="0">
+              <a:prstClr val="black">
+                <a:alpha val="40000"/>
+              </a:prstClr>
+            </a:outerShdw>
+          </a:effectLst>
+        </p:spPr>
+      </p:pic>
+      <p:sp>
+        <p:nvSpPr>
+          <p:cNvPr id="10" name="TextBox 9"/>
+          <p:cNvSpPr txBox="1"/>
+          <p:nvPr/>
+        </p:nvSpPr>
+        <p:spPr>
+          <a:xfrm>
+            <a:off x="4067944" y="188640"/>
+            <a:ext cx="2948371" cy="646331"/>
+          </a:xfrm>
+          <a:prstGeom prst="rect">
+            <a:avLst/>
+          </a:prstGeom>
+          <a:noFill/>
+        </p:spPr>
+        <p:txBody>
+          <a:bodyPr wrap="none" rtlCol="0">
+            <a:spAutoFit/>
+          </a:bodyPr>
+          <a:lstStyle/>
+          <a:p>
+            <a:r>
+              <a:rPr lang="en-US" sz="3600" b="1" smtClean="0">
+                <a:solidFill>
+                  <a:schemeClr val="bg1"/>
+                </a:solidFill>
+                <a:effectLst>
+                  <a:outerShdw blurRad="38100" dist="38100" dir="2700000" algn="tl">
+                    <a:srgbClr val="000000">
+                      <a:alpha val="43137"/>
+                    </a:srgbClr>
+                  </a:outerShdw>
+                </a:effectLst>
+              </a:rPr>
+              <a:t>4: Demo game</a:t>
+            </a:r>
+            <a:endParaRPr lang="vi-VN" sz="3600" b="1">
+              <a:solidFill>
+                <a:schemeClr val="bg1"/>
+              </a:solidFill>
+              <a:effectLst>
+                <a:outerShdw blurRad="38100" dist="38100" dir="2700000" algn="tl">
+                  <a:srgbClr val="000000">
+                    <a:alpha val="43137"/>
+                  </a:srgbClr>
+                </a:outerShdw>
+              </a:effectLst>
+            </a:endParaRPr>
+          </a:p>
+        </p:txBody>
+      </p:sp>
+      <p:sp>
+        <p:nvSpPr>
+          <p:cNvPr id="3" name="Rounded Rectangle 2"/>
+          <p:cNvSpPr/>
+          <p:nvPr/>
+        </p:nvSpPr>
+        <p:spPr>
+          <a:xfrm>
+            <a:off x="395536" y="1052736"/>
+            <a:ext cx="7704856" cy="4896544"/>
+          </a:xfrm>
+          <a:prstGeom prst="roundRect">
+            <a:avLst>
+              <a:gd name="adj" fmla="val 3414"/>
+            </a:avLst>
+          </a:prstGeom>
+          <a:solidFill>
+            <a:schemeClr val="bg1"/>
+          </a:solidFill>
+          <a:ln>
+            <a:noFill/>
+          </a:ln>
+          <a:effectLst>
+            <a:outerShdw blurRad="63500" sx="102000" sy="102000" algn="ctr" rotWithShape="0">
+              <a:prstClr val="black">
+                <a:alpha val="40000"/>
+              </a:prstClr>
+            </a:outerShdw>
+          </a:effectLst>
+        </p:spPr>
+        <p:style>
+          <a:lnRef idx="2">
+            <a:schemeClr val="accent1">
+              <a:shade val="50000"/>
+            </a:schemeClr>
+          </a:lnRef>
+          <a:fillRef idx="1">
+            <a:schemeClr val="accent1"/>
+          </a:fillRef>
+          <a:effectRef idx="0">
+            <a:schemeClr val="accent1"/>
+          </a:effectRef>
+          <a:fontRef idx="minor">
+            <a:schemeClr val="lt1"/>
+          </a:fontRef>
+        </p:style>
+        <p:txBody>
+          <a:bodyPr rtlCol="0" anchor="ctr"/>
+          <a:lstStyle/>
+          <a:p>
             <a:pPr algn="ctr"/>
             <a:endParaRPr lang="vi-VN"/>
           </a:p>
@@ -6639,6 +8024,29 @@
           </a:effectLst>
         </p:spPr>
       </p:pic>
+      <p:sp>
+        <p:nvSpPr>
+          <p:cNvPr id="4" name="Slide Number Placeholder 3"/>
+          <p:cNvSpPr>
+            <a:spLocks noGrp="1"/>
+          </p:cNvSpPr>
+          <p:nvPr>
+            <p:ph type="sldNum" sz="quarter" idx="12"/>
+          </p:nvPr>
+        </p:nvSpPr>
+        <p:spPr/>
+        <p:txBody>
+          <a:bodyPr/>
+          <a:lstStyle/>
+          <a:p>
+            <a:fld id="{C84FE6B2-6624-4AEF-AA0A-2E90FFFF6AB6}" type="slidenum">
+              <a:rPr lang="vi-VN" smtClean="0"/>
+              <a:t>16</a:t>
+            </a:fld>
+            <a:endParaRPr lang="vi-VN"/>
+          </a:p>
+        </p:txBody>
+      </p:sp>
     </p:spTree>
     <p:extLst>
       <p:ext uri="{BB962C8B-B14F-4D97-AF65-F5344CB8AC3E}">
@@ -6787,7 +8195,7 @@
 </p:sld>
 </file>
 
-<file path=ppt/slides/slide16.xml><?xml version="1.0" encoding="utf-8"?>
+<file path=ppt/slides/slide17.xml><?xml version="1.0" encoding="utf-8"?>
 <p:sld xmlns:a="http://schemas.openxmlformats.org/drawingml/2006/main" xmlns:r="http://schemas.openxmlformats.org/officeDocument/2006/relationships" xmlns:p="http://schemas.openxmlformats.org/presentationml/2006/main">
   <p:cSld>
     <p:spTree>
@@ -7086,6 +8494,128 @@
           </a:effectLst>
         </p:spPr>
       </p:pic>
+      <p:sp>
+        <p:nvSpPr>
+          <p:cNvPr id="2" name="TextBox 1"/>
+          <p:cNvSpPr txBox="1"/>
+          <p:nvPr/>
+        </p:nvSpPr>
+        <p:spPr>
+          <a:xfrm>
+            <a:off x="1346673" y="87260"/>
+            <a:ext cx="7797327" cy="523220"/>
+          </a:xfrm>
+          <a:prstGeom prst="rect">
+            <a:avLst/>
+          </a:prstGeom>
+          <a:noFill/>
+        </p:spPr>
+        <p:txBody>
+          <a:bodyPr wrap="none" rtlCol="0">
+            <a:spAutoFit/>
+          </a:bodyPr>
+          <a:lstStyle/>
+          <a:p>
+            <a:r>
+              <a:rPr lang="vi-VN" sz="2800" b="1">
+                <a:solidFill>
+                  <a:srgbClr val="00B050"/>
+                </a:solidFill>
+                <a:effectLst>
+                  <a:outerShdw blurRad="38100" dist="38100" dir="2700000" algn="tl">
+                    <a:srgbClr val="000000">
+                      <a:alpha val="43137"/>
+                    </a:srgbClr>
+                  </a:outerShdw>
+                </a:effectLst>
+              </a:rPr>
+              <a:t>https://</a:t>
+            </a:r>
+            <a:r>
+              <a:rPr lang="vi-VN" sz="2800" b="1">
+                <a:effectLst>
+                  <a:outerShdw blurRad="38100" dist="38100" dir="2700000" algn="tl">
+                    <a:srgbClr val="000000">
+                      <a:alpha val="43137"/>
+                    </a:srgbClr>
+                  </a:outerShdw>
+                </a:effectLst>
+              </a:rPr>
+              <a:t>github.com/</a:t>
+            </a:r>
+            <a:r>
+              <a:rPr lang="vi-VN" sz="2800" b="1">
+                <a:solidFill>
+                  <a:schemeClr val="bg1">
+                    <a:lumMod val="50000"/>
+                  </a:schemeClr>
+                </a:solidFill>
+                <a:effectLst>
+                  <a:outerShdw blurRad="38100" dist="38100" dir="2700000" algn="tl">
+                    <a:srgbClr val="000000">
+                      <a:alpha val="43137"/>
+                    </a:srgbClr>
+                  </a:outerShdw>
+                </a:effectLst>
+              </a:rPr>
+              <a:t>noname2103/GreenSnake</a:t>
+            </a:r>
+          </a:p>
+        </p:txBody>
+      </p:sp>
+      <p:pic>
+        <p:nvPicPr>
+          <p:cNvPr id="3" name="Picture 2"/>
+          <p:cNvPicPr>
+            <a:picLocks noChangeAspect="1"/>
+          </p:cNvPicPr>
+          <p:nvPr/>
+        </p:nvPicPr>
+        <p:blipFill>
+          <a:blip r:embed="rId9" cstate="print">
+            <a:extLst>
+              <a:ext uri="{28A0092B-C50C-407E-A947-70E740481C1C}">
+                <a14:useLocalDpi xmlns:a14="http://schemas.microsoft.com/office/drawing/2010/main" val="0"/>
+              </a:ext>
+            </a:extLst>
+          </a:blip>
+          <a:stretch>
+            <a:fillRect/>
+          </a:stretch>
+        </p:blipFill>
+        <p:spPr>
+          <a:xfrm>
+            <a:off x="395536" y="44624"/>
+            <a:ext cx="965042" cy="804994"/>
+          </a:xfrm>
+          <a:prstGeom prst="rect">
+            <a:avLst/>
+          </a:prstGeom>
+        </p:spPr>
+      </p:pic>
+      <p:sp>
+        <p:nvSpPr>
+          <p:cNvPr id="4" name="Slide Number Placeholder 3"/>
+          <p:cNvSpPr>
+            <a:spLocks noGrp="1"/>
+          </p:cNvSpPr>
+          <p:nvPr>
+            <p:ph type="sldNum" sz="quarter" idx="12"/>
+          </p:nvPr>
+        </p:nvSpPr>
+        <p:spPr/>
+        <p:txBody>
+          <a:bodyPr/>
+          <a:lstStyle/>
+          <a:p>
+            <a:fld id="{C84FE6B2-6624-4AEF-AA0A-2E90FFFF6AB6}" type="slidenum">
+              <a:rPr lang="vi-VN" smtClean="0"/>
+              <a:t>17</a:t>
+            </a:fld>
+            <a:endParaRPr lang="vi-VN"/>
+          </a:p>
+        </p:txBody>
+      </p:sp>
     </p:spTree>
     <p:extLst>
       <p:ext uri="{BB962C8B-B14F-4D97-AF65-F5344CB8AC3E}">
@@ -7424,6 +8954,29 @@
           </a:effectLst>
         </p:spPr>
       </p:pic>
+      <p:sp>
+        <p:nvSpPr>
+          <p:cNvPr id="2" name="Slide Number Placeholder 1"/>
+          <p:cNvSpPr>
+            <a:spLocks noGrp="1"/>
+          </p:cNvSpPr>
+          <p:nvPr>
+            <p:ph type="sldNum" sz="quarter" idx="12"/>
+          </p:nvPr>
+        </p:nvSpPr>
+        <p:spPr/>
+        <p:txBody>
+          <a:bodyPr/>
+          <a:lstStyle/>
+          <a:p>
+            <a:fld id="{C84FE6B2-6624-4AEF-AA0A-2E90FFFF6AB6}" type="slidenum">
+              <a:rPr lang="vi-VN" smtClean="0"/>
+              <a:t>2</a:t>
+            </a:fld>
+            <a:endParaRPr lang="vi-VN"/>
+          </a:p>
+        </p:txBody>
+      </p:sp>
     </p:spTree>
     <p:extLst>
       <p:ext uri="{BB962C8B-B14F-4D97-AF65-F5344CB8AC3E}">
@@ -8115,7 +9668,7 @@
         <p:spPr>
           <a:xfrm>
             <a:off x="4687578" y="4446932"/>
-            <a:ext cx="1436612" cy="523220"/>
+            <a:ext cx="2332946" cy="523220"/>
           </a:xfrm>
           <a:prstGeom prst="rect">
             <a:avLst/>
@@ -8146,7 +9699,17 @@
                   </a:schemeClr>
                 </a:solidFill>
               </a:rPr>
-              <a:t>. Demo</a:t>
+              <a:t>. </a:t>
+            </a:r>
+            <a:r>
+              <a:rPr lang="en-US" sz="2800" b="1" smtClean="0">
+                <a:solidFill>
+                  <a:schemeClr val="accent6">
+                    <a:lumMod val="50000"/>
+                  </a:schemeClr>
+                </a:solidFill>
+              </a:rPr>
+              <a:t>Demo game</a:t>
             </a:r>
             <a:endParaRPr lang="vi-VN" sz="2800" b="1">
               <a:solidFill>
@@ -8188,6 +9751,29 @@
           </a:prstGeom>
         </p:spPr>
       </p:pic>
+      <p:sp>
+        <p:nvSpPr>
+          <p:cNvPr id="7" name="Slide Number Placeholder 6"/>
+          <p:cNvSpPr>
+            <a:spLocks noGrp="1"/>
+          </p:cNvSpPr>
+          <p:nvPr>
+            <p:ph type="sldNum" sz="quarter" idx="12"/>
+          </p:nvPr>
+        </p:nvSpPr>
+        <p:spPr/>
+        <p:txBody>
+          <a:bodyPr/>
+          <a:lstStyle/>
+          <a:p>
+            <a:fld id="{C84FE6B2-6624-4AEF-AA0A-2E90FFFF6AB6}" type="slidenum">
+              <a:rPr lang="vi-VN" smtClean="0"/>
+              <a:t>3</a:t>
+            </a:fld>
+            <a:endParaRPr lang="vi-VN"/>
+          </a:p>
+        </p:txBody>
+      </p:sp>
     </p:spTree>
     <p:extLst>
       <p:ext uri="{BB962C8B-B14F-4D97-AF65-F5344CB8AC3E}">
@@ -8641,6 +10227,29 @@
                 </a:schemeClr>
               </a:solidFill>
             </a:endParaRPr>
+          </a:p>
+        </p:txBody>
+      </p:sp>
+      <p:sp>
+        <p:nvSpPr>
+          <p:cNvPr id="2" name="Slide Number Placeholder 1"/>
+          <p:cNvSpPr>
+            <a:spLocks noGrp="1"/>
+          </p:cNvSpPr>
+          <p:nvPr>
+            <p:ph type="sldNum" sz="quarter" idx="12"/>
+          </p:nvPr>
+        </p:nvSpPr>
+        <p:spPr/>
+        <p:txBody>
+          <a:bodyPr/>
+          <a:lstStyle/>
+          <a:p>
+            <a:fld id="{C84FE6B2-6624-4AEF-AA0A-2E90FFFF6AB6}" type="slidenum">
+              <a:rPr lang="vi-VN" smtClean="0"/>
+              <a:t>4</a:t>
+            </a:fld>
+            <a:endParaRPr lang="vi-VN"/>
           </a:p>
         </p:txBody>
       </p:sp>
@@ -9296,6 +10905,29 @@
           </a:p>
         </p:txBody>
       </p:sp>
+      <p:sp>
+        <p:nvSpPr>
+          <p:cNvPr id="2" name="Slide Number Placeholder 1"/>
+          <p:cNvSpPr>
+            <a:spLocks noGrp="1"/>
+          </p:cNvSpPr>
+          <p:nvPr>
+            <p:ph type="sldNum" sz="quarter" idx="12"/>
+          </p:nvPr>
+        </p:nvSpPr>
+        <p:spPr/>
+        <p:txBody>
+          <a:bodyPr/>
+          <a:lstStyle/>
+          <a:p>
+            <a:fld id="{C84FE6B2-6624-4AEF-AA0A-2E90FFFF6AB6}" type="slidenum">
+              <a:rPr lang="vi-VN" smtClean="0"/>
+              <a:t>5</a:t>
+            </a:fld>
+            <a:endParaRPr lang="vi-VN"/>
+          </a:p>
+        </p:txBody>
+      </p:sp>
     </p:spTree>
     <p:extLst>
       <p:ext uri="{BB962C8B-B14F-4D97-AF65-F5344CB8AC3E}">
@@ -10000,6 +11632,29 @@
           </a:prstGeom>
         </p:spPr>
       </p:pic>
+      <p:sp>
+        <p:nvSpPr>
+          <p:cNvPr id="7" name="Slide Number Placeholder 6"/>
+          <p:cNvSpPr>
+            <a:spLocks noGrp="1"/>
+          </p:cNvSpPr>
+          <p:nvPr>
+            <p:ph type="sldNum" sz="quarter" idx="12"/>
+          </p:nvPr>
+        </p:nvSpPr>
+        <p:spPr/>
+        <p:txBody>
+          <a:bodyPr/>
+          <a:lstStyle/>
+          <a:p>
+            <a:fld id="{C84FE6B2-6624-4AEF-AA0A-2E90FFFF6AB6}" type="slidenum">
+              <a:rPr lang="vi-VN" smtClean="0"/>
+              <a:t>6</a:t>
+            </a:fld>
+            <a:endParaRPr lang="vi-VN"/>
+          </a:p>
+        </p:txBody>
+      </p:sp>
     </p:spTree>
     <p:extLst>
       <p:ext uri="{BB962C8B-B14F-4D97-AF65-F5344CB8AC3E}">
@@ -10466,6 +12121,29 @@
           </a:prstGeom>
         </p:spPr>
       </p:pic>
+      <p:sp>
+        <p:nvSpPr>
+          <p:cNvPr id="7" name="Slide Number Placeholder 6"/>
+          <p:cNvSpPr>
+            <a:spLocks noGrp="1"/>
+          </p:cNvSpPr>
+          <p:nvPr>
+            <p:ph type="sldNum" sz="quarter" idx="12"/>
+          </p:nvPr>
+        </p:nvSpPr>
+        <p:spPr/>
+        <p:txBody>
+          <a:bodyPr/>
+          <a:lstStyle/>
+          <a:p>
+            <a:fld id="{C84FE6B2-6624-4AEF-AA0A-2E90FFFF6AB6}" type="slidenum">
+              <a:rPr lang="vi-VN" smtClean="0"/>
+              <a:t>7</a:t>
+            </a:fld>
+            <a:endParaRPr lang="vi-VN"/>
+          </a:p>
+        </p:txBody>
+      </p:sp>
     </p:spTree>
     <p:extLst>
       <p:ext uri="{BB962C8B-B14F-4D97-AF65-F5344CB8AC3E}">
@@ -10943,6 +12621,29 @@
           </a:p>
         </p:txBody>
       </p:sp>
+      <p:sp>
+        <p:nvSpPr>
+          <p:cNvPr id="4" name="Slide Number Placeholder 3"/>
+          <p:cNvSpPr>
+            <a:spLocks noGrp="1"/>
+          </p:cNvSpPr>
+          <p:nvPr>
+            <p:ph type="sldNum" sz="quarter" idx="12"/>
+          </p:nvPr>
+        </p:nvSpPr>
+        <p:spPr/>
+        <p:txBody>
+          <a:bodyPr/>
+          <a:lstStyle/>
+          <a:p>
+            <a:fld id="{C84FE6B2-6624-4AEF-AA0A-2E90FFFF6AB6}" type="slidenum">
+              <a:rPr lang="vi-VN" smtClean="0"/>
+              <a:t>8</a:t>
+            </a:fld>
+            <a:endParaRPr lang="vi-VN"/>
+          </a:p>
+        </p:txBody>
+      </p:sp>
     </p:spTree>
     <p:extLst>
       <p:ext uri="{BB962C8B-B14F-4D97-AF65-F5344CB8AC3E}">
@@ -11651,6 +13352,29 @@
                 <a:schemeClr val="tx1"/>
               </a:solidFill>
             </a:endParaRPr>
+          </a:p>
+        </p:txBody>
+      </p:sp>
+      <p:sp>
+        <p:nvSpPr>
+          <p:cNvPr id="4" name="Slide Number Placeholder 3"/>
+          <p:cNvSpPr>
+            <a:spLocks noGrp="1"/>
+          </p:cNvSpPr>
+          <p:nvPr>
+            <p:ph type="sldNum" sz="quarter" idx="12"/>
+          </p:nvPr>
+        </p:nvSpPr>
+        <p:spPr/>
+        <p:txBody>
+          <a:bodyPr/>
+          <a:lstStyle/>
+          <a:p>
+            <a:fld id="{C84FE6B2-6624-4AEF-AA0A-2E90FFFF6AB6}" type="slidenum">
+              <a:rPr lang="vi-VN" smtClean="0"/>
+              <a:t>9</a:t>
+            </a:fld>
+            <a:endParaRPr lang="vi-VN"/>
           </a:p>
         </p:txBody>
       </p:sp>
@@ -11957,4 +13681,574 @@
   <a:objectDefaults/>
   <a:extraClrSchemeLst/>
 </a:theme>
+</file>
+
+<file path=ppt/theme/theme2.xml><?xml version="1.0" encoding="utf-8"?>
+<a:theme xmlns:a="http://schemas.openxmlformats.org/drawingml/2006/main" name="Office Theme">
+  <a:themeElements>
+    <a:clrScheme name="Office">
+      <a:dk1>
+        <a:sysClr val="windowText" lastClr="000000"/>
+      </a:dk1>
+      <a:lt1>
+        <a:sysClr val="window" lastClr="FFFFFF"/>
+      </a:lt1>
+      <a:dk2>
+        <a:srgbClr val="1F497D"/>
+      </a:dk2>
+      <a:lt2>
+        <a:srgbClr val="EEECE1"/>
+      </a:lt2>
+      <a:accent1>
+        <a:srgbClr val="4F81BD"/>
+      </a:accent1>
+      <a:accent2>
+        <a:srgbClr val="C0504D"/>
+      </a:accent2>
+      <a:accent3>
+        <a:srgbClr val="9BBB59"/>
+      </a:accent3>
+      <a:accent4>
+        <a:srgbClr val="8064A2"/>
+      </a:accent4>
+      <a:accent5>
+        <a:srgbClr val="4BACC6"/>
+      </a:accent5>
+      <a:accent6>
+        <a:srgbClr val="F79646"/>
+      </a:accent6>
+      <a:hlink>
+        <a:srgbClr val="0000FF"/>
+      </a:hlink>
+      <a:folHlink>
+        <a:srgbClr val="800080"/>
+      </a:folHlink>
+    </a:clrScheme>
+    <a:fontScheme name="Office">
+      <a:majorFont>
+        <a:latin typeface="Calibri"/>
+        <a:ea typeface=""/>
+        <a:cs typeface=""/>
+        <a:font script="Jpan" typeface="ＭＳ Ｐゴシック"/>
+        <a:font script="Hang" typeface="맑은 고딕"/>
+        <a:font script="Hans" typeface="宋体"/>
+        <a:font script="Hant" typeface="新細明體"/>
+        <a:font script="Arab" typeface="Times New Roman"/>
+        <a:font script="Hebr" typeface="Times New Roman"/>
+        <a:font script="Thai" typeface="Angsana New"/>
+        <a:font script="Ethi" typeface="Nyala"/>
+        <a:font script="Beng" typeface="Vrinda"/>
+        <a:font script="Gujr" typeface="Shruti"/>
+        <a:font script="Khmr" typeface="MoolBoran"/>
+        <a:font script="Knda" typeface="Tunga"/>
+        <a:font script="Guru" typeface="Raavi"/>
+        <a:font script="Cans" typeface="Euphemia"/>
+        <a:font script="Cher" typeface="Plantagenet Cherokee"/>
+        <a:font script="Yiii" typeface="Microsoft Yi Baiti"/>
+        <a:font script="Tibt" typeface="Microsoft Himalaya"/>
+        <a:font script="Thaa" typeface="MV Boli"/>
+        <a:font script="Deva" typeface="Mangal"/>
+        <a:font script="Telu" typeface="Gautami"/>
+        <a:font script="Taml" typeface="Latha"/>
+        <a:font script="Syrc" typeface="Estrangelo Edessa"/>
+        <a:font script="Orya" typeface="Kalinga"/>
+        <a:font script="Mlym" typeface="Kartika"/>
+        <a:font script="Laoo" typeface="DokChampa"/>
+        <a:font script="Sinh" typeface="Iskoola Pota"/>
+        <a:font script="Mong" typeface="Mongolian Baiti"/>
+        <a:font script="Viet" typeface="Times New Roman"/>
+        <a:font script="Uigh" typeface="Microsoft Uighur"/>
+        <a:font script="Geor" typeface="Sylfaen"/>
+      </a:majorFont>
+      <a:minorFont>
+        <a:latin typeface="Calibri"/>
+        <a:ea typeface=""/>
+        <a:cs typeface=""/>
+        <a:font script="Jpan" typeface="ＭＳ Ｐゴシック"/>
+        <a:font script="Hang" typeface="맑은 고딕"/>
+        <a:font script="Hans" typeface="宋体"/>
+        <a:font script="Hant" typeface="新細明體"/>
+        <a:font script="Arab" typeface="Arial"/>
+        <a:font script="Hebr" typeface="Arial"/>
+        <a:font script="Thai" typeface="Cordia New"/>
+        <a:font script="Ethi" typeface="Nyala"/>
+        <a:font script="Beng" typeface="Vrinda"/>
+        <a:font script="Gujr" typeface="Shruti"/>
+        <a:font script="Khmr" typeface="DaunPenh"/>
+        <a:font script="Knda" typeface="Tunga"/>
+        <a:font script="Guru" typeface="Raavi"/>
+        <a:font script="Cans" typeface="Euphemia"/>
+        <a:font script="Cher" typeface="Plantagenet Cherokee"/>
+        <a:font script="Yiii" typeface="Microsoft Yi Baiti"/>
+        <a:font script="Tibt" typeface="Microsoft Himalaya"/>
+        <a:font script="Thaa" typeface="MV Boli"/>
+        <a:font script="Deva" typeface="Mangal"/>
+        <a:font script="Telu" typeface="Gautami"/>
+        <a:font script="Taml" typeface="Latha"/>
+        <a:font script="Syrc" typeface="Estrangelo Edessa"/>
+        <a:font script="Orya" typeface="Kalinga"/>
+        <a:font script="Mlym" typeface="Kartika"/>
+        <a:font script="Laoo" typeface="DokChampa"/>
+        <a:font script="Sinh" typeface="Iskoola Pota"/>
+        <a:font script="Mong" typeface="Mongolian Baiti"/>
+        <a:font script="Viet" typeface="Arial"/>
+        <a:font script="Uigh" typeface="Microsoft Uighur"/>
+        <a:font script="Geor" typeface="Sylfaen"/>
+      </a:minorFont>
+    </a:fontScheme>
+    <a:fmtScheme name="Office">
+      <a:fillStyleLst>
+        <a:solidFill>
+          <a:schemeClr val="phClr"/>
+        </a:solidFill>
+        <a:gradFill rotWithShape="1">
+          <a:gsLst>
+            <a:gs pos="0">
+              <a:schemeClr val="phClr">
+                <a:tint val="50000"/>
+                <a:satMod val="300000"/>
+              </a:schemeClr>
+            </a:gs>
+            <a:gs pos="35000">
+              <a:schemeClr val="phClr">
+                <a:tint val="37000"/>
+                <a:satMod val="300000"/>
+              </a:schemeClr>
+            </a:gs>
+            <a:gs pos="100000">
+              <a:schemeClr val="phClr">
+                <a:tint val="15000"/>
+                <a:satMod val="350000"/>
+              </a:schemeClr>
+            </a:gs>
+          </a:gsLst>
+          <a:lin ang="16200000" scaled="1"/>
+        </a:gradFill>
+        <a:gradFill rotWithShape="1">
+          <a:gsLst>
+            <a:gs pos="0">
+              <a:schemeClr val="phClr">
+                <a:shade val="51000"/>
+                <a:satMod val="130000"/>
+              </a:schemeClr>
+            </a:gs>
+            <a:gs pos="80000">
+              <a:schemeClr val="phClr">
+                <a:shade val="93000"/>
+                <a:satMod val="130000"/>
+              </a:schemeClr>
+            </a:gs>
+            <a:gs pos="100000">
+              <a:schemeClr val="phClr">
+                <a:shade val="94000"/>
+                <a:satMod val="135000"/>
+              </a:schemeClr>
+            </a:gs>
+          </a:gsLst>
+          <a:lin ang="16200000" scaled="0"/>
+        </a:gradFill>
+      </a:fillStyleLst>
+      <a:lnStyleLst>
+        <a:ln w="9525" cap="flat" cmpd="sng" algn="ctr">
+          <a:solidFill>
+            <a:schemeClr val="phClr">
+              <a:shade val="95000"/>
+              <a:satMod val="105000"/>
+            </a:schemeClr>
+          </a:solidFill>
+          <a:prstDash val="solid"/>
+        </a:ln>
+        <a:ln w="25400" cap="flat" cmpd="sng" algn="ctr">
+          <a:solidFill>
+            <a:schemeClr val="phClr"/>
+          </a:solidFill>
+          <a:prstDash val="solid"/>
+        </a:ln>
+        <a:ln w="38100" cap="flat" cmpd="sng" algn="ctr">
+          <a:solidFill>
+            <a:schemeClr val="phClr"/>
+          </a:solidFill>
+          <a:prstDash val="solid"/>
+        </a:ln>
+      </a:lnStyleLst>
+      <a:effectStyleLst>
+        <a:effectStyle>
+          <a:effectLst>
+            <a:outerShdw blurRad="40000" dist="20000" dir="5400000" rotWithShape="0">
+              <a:srgbClr val="000000">
+                <a:alpha val="38000"/>
+              </a:srgbClr>
+            </a:outerShdw>
+          </a:effectLst>
+        </a:effectStyle>
+        <a:effectStyle>
+          <a:effectLst>
+            <a:outerShdw blurRad="40000" dist="23000" dir="5400000" rotWithShape="0">
+              <a:srgbClr val="000000">
+                <a:alpha val="35000"/>
+              </a:srgbClr>
+            </a:outerShdw>
+          </a:effectLst>
+        </a:effectStyle>
+        <a:effectStyle>
+          <a:effectLst>
+            <a:outerShdw blurRad="40000" dist="23000" dir="5400000" rotWithShape="0">
+              <a:srgbClr val="000000">
+                <a:alpha val="35000"/>
+              </a:srgbClr>
+            </a:outerShdw>
+          </a:effectLst>
+          <a:scene3d>
+            <a:camera prst="orthographicFront">
+              <a:rot lat="0" lon="0" rev="0"/>
+            </a:camera>
+            <a:lightRig rig="threePt" dir="t">
+              <a:rot lat="0" lon="0" rev="1200000"/>
+            </a:lightRig>
+          </a:scene3d>
+          <a:sp3d>
+            <a:bevelT w="63500" h="25400"/>
+          </a:sp3d>
+        </a:effectStyle>
+      </a:effectStyleLst>
+      <a:bgFillStyleLst>
+        <a:solidFill>
+          <a:schemeClr val="phClr"/>
+        </a:solidFill>
+        <a:gradFill rotWithShape="1">
+          <a:gsLst>
+            <a:gs pos="0">
+              <a:schemeClr val="phClr">
+                <a:tint val="40000"/>
+                <a:satMod val="350000"/>
+              </a:schemeClr>
+            </a:gs>
+            <a:gs pos="40000">
+              <a:schemeClr val="phClr">
+                <a:tint val="45000"/>
+                <a:shade val="99000"/>
+                <a:satMod val="350000"/>
+              </a:schemeClr>
+            </a:gs>
+            <a:gs pos="100000">
+              <a:schemeClr val="phClr">
+                <a:shade val="20000"/>
+                <a:satMod val="255000"/>
+              </a:schemeClr>
+            </a:gs>
+          </a:gsLst>
+          <a:path path="circle">
+            <a:fillToRect l="50000" t="-80000" r="50000" b="180000"/>
+          </a:path>
+        </a:gradFill>
+        <a:gradFill rotWithShape="1">
+          <a:gsLst>
+            <a:gs pos="0">
+              <a:schemeClr val="phClr">
+                <a:tint val="80000"/>
+                <a:satMod val="300000"/>
+              </a:schemeClr>
+            </a:gs>
+            <a:gs pos="100000">
+              <a:schemeClr val="phClr">
+                <a:shade val="30000"/>
+                <a:satMod val="200000"/>
+              </a:schemeClr>
+            </a:gs>
+          </a:gsLst>
+          <a:path path="circle">
+            <a:fillToRect l="50000" t="50000" r="50000" b="50000"/>
+          </a:path>
+        </a:gradFill>
+      </a:bgFillStyleLst>
+    </a:fmtScheme>
+  </a:themeElements>
+  <a:objectDefaults/>
+  <a:extraClrSchemeLst/>
+</a:theme>
+</file>
+
+<file path=ppt/theme/theme3.xml><?xml version="1.0" encoding="utf-8"?>
+<a:theme xmlns:a="http://schemas.openxmlformats.org/drawingml/2006/main" name="Office Theme">
+  <a:themeElements>
+    <a:clrScheme name="Office">
+      <a:dk1>
+        <a:sysClr val="windowText" lastClr="000000"/>
+      </a:dk1>
+      <a:lt1>
+        <a:sysClr val="window" lastClr="FFFFFF"/>
+      </a:lt1>
+      <a:dk2>
+        <a:srgbClr val="1F497D"/>
+      </a:dk2>
+      <a:lt2>
+        <a:srgbClr val="EEECE1"/>
+      </a:lt2>
+      <a:accent1>
+        <a:srgbClr val="4F81BD"/>
+      </a:accent1>
+      <a:accent2>
+        <a:srgbClr val="C0504D"/>
+      </a:accent2>
+      <a:accent3>
+        <a:srgbClr val="9BBB59"/>
+      </a:accent3>
+      <a:accent4>
+        <a:srgbClr val="8064A2"/>
+      </a:accent4>
+      <a:accent5>
+        <a:srgbClr val="4BACC6"/>
+      </a:accent5>
+      <a:accent6>
+        <a:srgbClr val="F79646"/>
+      </a:accent6>
+      <a:hlink>
+        <a:srgbClr val="0000FF"/>
+      </a:hlink>
+      <a:folHlink>
+        <a:srgbClr val="800080"/>
+      </a:folHlink>
+    </a:clrScheme>
+    <a:fontScheme name="Office">
+      <a:majorFont>
+        <a:latin typeface="Calibri"/>
+        <a:ea typeface=""/>
+        <a:cs typeface=""/>
+        <a:font script="Jpan" typeface="ＭＳ Ｐゴシック"/>
+        <a:font script="Hang" typeface="맑은 고딕"/>
+        <a:font script="Hans" typeface="宋体"/>
+        <a:font script="Hant" typeface="新細明體"/>
+        <a:font script="Arab" typeface="Times New Roman"/>
+        <a:font script="Hebr" typeface="Times New Roman"/>
+        <a:font script="Thai" typeface="Angsana New"/>
+        <a:font script="Ethi" typeface="Nyala"/>
+        <a:font script="Beng" typeface="Vrinda"/>
+        <a:font script="Gujr" typeface="Shruti"/>
+        <a:font script="Khmr" typeface="MoolBoran"/>
+        <a:font script="Knda" typeface="Tunga"/>
+        <a:font script="Guru" typeface="Raavi"/>
+        <a:font script="Cans" typeface="Euphemia"/>
+        <a:font script="Cher" typeface="Plantagenet Cherokee"/>
+        <a:font script="Yiii" typeface="Microsoft Yi Baiti"/>
+        <a:font script="Tibt" typeface="Microsoft Himalaya"/>
+        <a:font script="Thaa" typeface="MV Boli"/>
+        <a:font script="Deva" typeface="Mangal"/>
+        <a:font script="Telu" typeface="Gautami"/>
+        <a:font script="Taml" typeface="Latha"/>
+        <a:font script="Syrc" typeface="Estrangelo Edessa"/>
+        <a:font script="Orya" typeface="Kalinga"/>
+        <a:font script="Mlym" typeface="Kartika"/>
+        <a:font script="Laoo" typeface="DokChampa"/>
+        <a:font script="Sinh" typeface="Iskoola Pota"/>
+        <a:font script="Mong" typeface="Mongolian Baiti"/>
+        <a:font script="Viet" typeface="Times New Roman"/>
+        <a:font script="Uigh" typeface="Microsoft Uighur"/>
+        <a:font script="Geor" typeface="Sylfaen"/>
+      </a:majorFont>
+      <a:minorFont>
+        <a:latin typeface="Calibri"/>
+        <a:ea typeface=""/>
+        <a:cs typeface=""/>
+        <a:font script="Jpan" typeface="ＭＳ Ｐゴシック"/>
+        <a:font script="Hang" typeface="맑은 고딕"/>
+        <a:font script="Hans" typeface="宋体"/>
+        <a:font script="Hant" typeface="新細明體"/>
+        <a:font script="Arab" typeface="Arial"/>
+        <a:font script="Hebr" typeface="Arial"/>
+        <a:font script="Thai" typeface="Cordia New"/>
+        <a:font script="Ethi" typeface="Nyala"/>
+        <a:font script="Beng" typeface="Vrinda"/>
+        <a:font script="Gujr" typeface="Shruti"/>
+        <a:font script="Khmr" typeface="DaunPenh"/>
+        <a:font script="Knda" typeface="Tunga"/>
+        <a:font script="Guru" typeface="Raavi"/>
+        <a:font script="Cans" typeface="Euphemia"/>
+        <a:font script="Cher" typeface="Plantagenet Cherokee"/>
+        <a:font script="Yiii" typeface="Microsoft Yi Baiti"/>
+        <a:font script="Tibt" typeface="Microsoft Himalaya"/>
+        <a:font script="Thaa" typeface="MV Boli"/>
+        <a:font script="Deva" typeface="Mangal"/>
+        <a:font script="Telu" typeface="Gautami"/>
+        <a:font script="Taml" typeface="Latha"/>
+        <a:font script="Syrc" typeface="Estrangelo Edessa"/>
+        <a:font script="Orya" typeface="Kalinga"/>
+        <a:font script="Mlym" typeface="Kartika"/>
+        <a:font script="Laoo" typeface="DokChampa"/>
+        <a:font script="Sinh" typeface="Iskoola Pota"/>
+        <a:font script="Mong" typeface="Mongolian Baiti"/>
+        <a:font script="Viet" typeface="Arial"/>
+        <a:font script="Uigh" typeface="Microsoft Uighur"/>
+        <a:font script="Geor" typeface="Sylfaen"/>
+      </a:minorFont>
+    </a:fontScheme>
+    <a:fmtScheme name="Office">
+      <a:fillStyleLst>
+        <a:solidFill>
+          <a:schemeClr val="phClr"/>
+        </a:solidFill>
+        <a:gradFill rotWithShape="1">
+          <a:gsLst>
+            <a:gs pos="0">
+              <a:schemeClr val="phClr">
+                <a:tint val="50000"/>
+                <a:satMod val="300000"/>
+              </a:schemeClr>
+            </a:gs>
+            <a:gs pos="35000">
+              <a:schemeClr val="phClr">
+                <a:tint val="37000"/>
+                <a:satMod val="300000"/>
+              </a:schemeClr>
+            </a:gs>
+            <a:gs pos="100000">
+              <a:schemeClr val="phClr">
+                <a:tint val="15000"/>
+                <a:satMod val="350000"/>
+              </a:schemeClr>
+            </a:gs>
+          </a:gsLst>
+          <a:lin ang="16200000" scaled="1"/>
+        </a:gradFill>
+        <a:gradFill rotWithShape="1">
+          <a:gsLst>
+            <a:gs pos="0">
+              <a:schemeClr val="phClr">
+                <a:shade val="51000"/>
+                <a:satMod val="130000"/>
+              </a:schemeClr>
+            </a:gs>
+            <a:gs pos="80000">
+              <a:schemeClr val="phClr">
+                <a:shade val="93000"/>
+                <a:satMod val="130000"/>
+              </a:schemeClr>
+            </a:gs>
+            <a:gs pos="100000">
+              <a:schemeClr val="phClr">
+                <a:shade val="94000"/>
+                <a:satMod val="135000"/>
+              </a:schemeClr>
+            </a:gs>
+          </a:gsLst>
+          <a:lin ang="16200000" scaled="0"/>
+        </a:gradFill>
+      </a:fillStyleLst>
+      <a:lnStyleLst>
+        <a:ln w="9525" cap="flat" cmpd="sng" algn="ctr">
+          <a:solidFill>
+            <a:schemeClr val="phClr">
+              <a:shade val="95000"/>
+              <a:satMod val="105000"/>
+            </a:schemeClr>
+          </a:solidFill>
+          <a:prstDash val="solid"/>
+        </a:ln>
+        <a:ln w="25400" cap="flat" cmpd="sng" algn="ctr">
+          <a:solidFill>
+            <a:schemeClr val="phClr"/>
+          </a:solidFill>
+          <a:prstDash val="solid"/>
+        </a:ln>
+        <a:ln w="38100" cap="flat" cmpd="sng" algn="ctr">
+          <a:solidFill>
+            <a:schemeClr val="phClr"/>
+          </a:solidFill>
+          <a:prstDash val="solid"/>
+        </a:ln>
+      </a:lnStyleLst>
+      <a:effectStyleLst>
+        <a:effectStyle>
+          <a:effectLst>
+            <a:outerShdw blurRad="40000" dist="20000" dir="5400000" rotWithShape="0">
+              <a:srgbClr val="000000">
+                <a:alpha val="38000"/>
+              </a:srgbClr>
+            </a:outerShdw>
+          </a:effectLst>
+        </a:effectStyle>
+        <a:effectStyle>
+          <a:effectLst>
+            <a:outerShdw blurRad="40000" dist="23000" dir="5400000" rotWithShape="0">
+              <a:srgbClr val="000000">
+                <a:alpha val="35000"/>
+              </a:srgbClr>
+            </a:outerShdw>
+          </a:effectLst>
+        </a:effectStyle>
+        <a:effectStyle>
+          <a:effectLst>
+            <a:outerShdw blurRad="40000" dist="23000" dir="5400000" rotWithShape="0">
+              <a:srgbClr val="000000">
+                <a:alpha val="35000"/>
+              </a:srgbClr>
+            </a:outerShdw>
+          </a:effectLst>
+          <a:scene3d>
+            <a:camera prst="orthographicFront">
+              <a:rot lat="0" lon="0" rev="0"/>
+            </a:camera>
+            <a:lightRig rig="threePt" dir="t">
+              <a:rot lat="0" lon="0" rev="1200000"/>
+            </a:lightRig>
+          </a:scene3d>
+          <a:sp3d>
+            <a:bevelT w="63500" h="25400"/>
+          </a:sp3d>
+        </a:effectStyle>
+      </a:effectStyleLst>
+      <a:bgFillStyleLst>
+        <a:solidFill>
+          <a:schemeClr val="phClr"/>
+        </a:solidFill>
+        <a:gradFill rotWithShape="1">
+          <a:gsLst>
+            <a:gs pos="0">
+              <a:schemeClr val="phClr">
+                <a:tint val="40000"/>
+                <a:satMod val="350000"/>
+              </a:schemeClr>
+            </a:gs>
+            <a:gs pos="40000">
+              <a:schemeClr val="phClr">
+                <a:tint val="45000"/>
+                <a:shade val="99000"/>
+                <a:satMod val="350000"/>
+              </a:schemeClr>
+            </a:gs>
+            <a:gs pos="100000">
+              <a:schemeClr val="phClr">
+                <a:shade val="20000"/>
+                <a:satMod val="255000"/>
+              </a:schemeClr>
+            </a:gs>
+          </a:gsLst>
+          <a:path path="circle">
+            <a:fillToRect l="50000" t="-80000" r="50000" b="180000"/>
+          </a:path>
+        </a:gradFill>
+        <a:gradFill rotWithShape="1">
+          <a:gsLst>
+            <a:gs pos="0">
+              <a:schemeClr val="phClr">
+                <a:tint val="80000"/>
+                <a:satMod val="300000"/>
+              </a:schemeClr>
+            </a:gs>
+            <a:gs pos="100000">
+              <a:schemeClr val="phClr">
+                <a:shade val="30000"/>
+                <a:satMod val="200000"/>
+              </a:schemeClr>
+            </a:gs>
+          </a:gsLst>
+          <a:path path="circle">
+            <a:fillToRect l="50000" t="50000" r="50000" b="50000"/>
+          </a:path>
+        </a:gradFill>
+      </a:bgFillStyleLst>
+    </a:fmtScheme>
+  </a:themeElements>
+  <a:objectDefaults/>
+  <a:extraClrSchemeLst/>
+</a:theme>
 </file>